--- a/教案/第2章 算法复杂性.pptx
+++ b/教案/第2章 算法复杂性.pptx
@@ -173,6 +173,30 @@
 
 <file path=ppt/changesInfos/changesInfo1.xml><?xml version="1.0" encoding="utf-8"?>
 <pc:chgInfo xmlns:a="http://schemas.openxmlformats.org/drawingml/2006/main" xmlns:r="http://schemas.openxmlformats.org/officeDocument/2006/relationships" xmlns:ac="http://schemas.microsoft.com/office/drawing/2013/main/command" xmlns:pc="http://schemas.microsoft.com/office/powerpoint/2013/main/command">
+  <pc:docChgLst>
+    <pc:chgData name="PENG Siwei" userId="8c9d49ea30389574" providerId="LiveId" clId="{4E725588-0BFF-48D0-B65F-0101B152EF77}"/>
+    <pc:docChg chg="modSld">
+      <pc:chgData name="PENG Siwei" userId="8c9d49ea30389574" providerId="LiveId" clId="{4E725588-0BFF-48D0-B65F-0101B152EF77}" dt="2018-05-15T06:58:37.679" v="4" actId="20577"/>
+      <pc:docMkLst>
+        <pc:docMk/>
+      </pc:docMkLst>
+      <pc:sldChg chg="modSp">
+        <pc:chgData name="PENG Siwei" userId="8c9d49ea30389574" providerId="LiveId" clId="{4E725588-0BFF-48D0-B65F-0101B152EF77}" dt="2018-05-15T06:58:37.679" v="4" actId="20577"/>
+        <pc:sldMkLst>
+          <pc:docMk/>
+          <pc:sldMk cId="4135883059" sldId="301"/>
+        </pc:sldMkLst>
+        <pc:spChg chg="mod">
+          <ac:chgData name="PENG Siwei" userId="8c9d49ea30389574" providerId="LiveId" clId="{4E725588-0BFF-48D0-B65F-0101B152EF77}" dt="2018-05-15T06:58:37.679" v="4" actId="20577"/>
+          <ac:spMkLst>
+            <pc:docMk/>
+            <pc:sldMk cId="4135883059" sldId="301"/>
+            <ac:spMk id="2" creationId="{00000000-0000-0000-0000-000000000000}"/>
+          </ac:spMkLst>
+        </pc:spChg>
+      </pc:sldChg>
+    </pc:docChg>
+  </pc:docChgLst>
   <pc:docChgLst>
     <pc:chgData name="PENG Siwei" userId="8c9d49ea30389574" providerId="LiveId" clId="{6F0E240D-3FA2-47E6-9DC5-F7EB1962D8B7}"/>
     <pc:docChg chg="undo custSel addSld modSld sldOrd">
@@ -390,30 +414,6 @@
       </pc:sldChg>
     </pc:docChg>
   </pc:docChgLst>
-  <pc:docChgLst>
-    <pc:chgData name="PENG Siwei" userId="8c9d49ea30389574" providerId="LiveId" clId="{4E725588-0BFF-48D0-B65F-0101B152EF77}"/>
-    <pc:docChg chg="modSld">
-      <pc:chgData name="PENG Siwei" userId="8c9d49ea30389574" providerId="LiveId" clId="{4E725588-0BFF-48D0-B65F-0101B152EF77}" dt="2018-05-15T06:58:37.679" v="4" actId="20577"/>
-      <pc:docMkLst>
-        <pc:docMk/>
-      </pc:docMkLst>
-      <pc:sldChg chg="modSp">
-        <pc:chgData name="PENG Siwei" userId="8c9d49ea30389574" providerId="LiveId" clId="{4E725588-0BFF-48D0-B65F-0101B152EF77}" dt="2018-05-15T06:58:37.679" v="4" actId="20577"/>
-        <pc:sldMkLst>
-          <pc:docMk/>
-          <pc:sldMk cId="4135883059" sldId="301"/>
-        </pc:sldMkLst>
-        <pc:spChg chg="mod">
-          <ac:chgData name="PENG Siwei" userId="8c9d49ea30389574" providerId="LiveId" clId="{4E725588-0BFF-48D0-B65F-0101B152EF77}" dt="2018-05-15T06:58:37.679" v="4" actId="20577"/>
-          <ac:spMkLst>
-            <pc:docMk/>
-            <pc:sldMk cId="4135883059" sldId="301"/>
-            <ac:spMk id="2" creationId="{00000000-0000-0000-0000-000000000000}"/>
-          </ac:spMkLst>
-        </pc:spChg>
-      </pc:sldChg>
-    </pc:docChg>
-  </pc:docChgLst>
 </pc:chgInfo>
 </file>
 
@@ -499,7 +499,7 @@
           <a:p>
             <a:fld id="{3C249396-9850-4D62-835A-F588A34C1131}" type="datetimeFigureOut">
               <a:rPr lang="zh-CN" altLang="en-US" smtClean="0"/>
-              <a:t>2018-5-15</a:t>
+              <a:t>2019/5/28</a:t>
             </a:fld>
             <a:endParaRPr lang="zh-CN" altLang="en-US"/>
           </a:p>
@@ -664,7 +664,7 @@
           <a:p>
             <a:fld id="{EB534F2D-D915-493E-AA1D-AF28106B5836}" type="datetimeFigureOut">
               <a:rPr lang="zh-CN" altLang="en-US" smtClean="0"/>
-              <a:t>2018-5-15</a:t>
+              <a:t>2019/5/28</a:t>
             </a:fld>
             <a:endParaRPr lang="zh-CN" altLang="en-US"/>
           </a:p>
@@ -2006,7 +2006,7 @@
           <a:p>
             <a:fld id="{8C53946E-E76F-439C-ADA2-2ABD83101984}" type="datetimeFigureOut">
               <a:rPr lang="zh-CN" altLang="en-US" smtClean="0"/>
-              <a:t>2018-5-15</a:t>
+              <a:t>2019/5/28</a:t>
             </a:fld>
             <a:endParaRPr lang="zh-CN" altLang="en-US"/>
           </a:p>
@@ -2338,7 +2338,7 @@
           <a:p>
             <a:fld id="{8C53946E-E76F-439C-ADA2-2ABD83101984}" type="datetimeFigureOut">
               <a:rPr lang="zh-CN" altLang="en-US" smtClean="0"/>
-              <a:t>2018-5-15</a:t>
+              <a:t>2019/5/28</a:t>
             </a:fld>
             <a:endParaRPr lang="zh-CN" altLang="en-US"/>
           </a:p>
@@ -2737,7 +2737,7 @@
           <a:p>
             <a:fld id="{8C53946E-E76F-439C-ADA2-2ABD83101984}" type="datetimeFigureOut">
               <a:rPr lang="zh-CN" altLang="en-US" smtClean="0"/>
-              <a:t>2018-5-15</a:t>
+              <a:t>2019/5/28</a:t>
             </a:fld>
             <a:endParaRPr lang="zh-CN" altLang="en-US"/>
           </a:p>
@@ -3071,7 +3071,7 @@
           <a:p>
             <a:fld id="{8C53946E-E76F-439C-ADA2-2ABD83101984}" type="datetimeFigureOut">
               <a:rPr lang="zh-CN" altLang="en-US" smtClean="0"/>
-              <a:t>2018-5-15</a:t>
+              <a:t>2019/5/28</a:t>
             </a:fld>
             <a:endParaRPr lang="zh-CN" altLang="en-US"/>
           </a:p>
@@ -3389,7 +3389,7 @@
           <a:p>
             <a:fld id="{8C53946E-E76F-439C-ADA2-2ABD83101984}" type="datetimeFigureOut">
               <a:rPr lang="zh-CN" altLang="en-US" smtClean="0"/>
-              <a:t>2018-5-15</a:t>
+              <a:t>2019/5/28</a:t>
             </a:fld>
             <a:endParaRPr lang="zh-CN" altLang="en-US"/>
           </a:p>
@@ -3783,7 +3783,7 @@
           <a:p>
             <a:fld id="{8C53946E-E76F-439C-ADA2-2ABD83101984}" type="datetimeFigureOut">
               <a:rPr lang="zh-CN" altLang="en-US" smtClean="0"/>
-              <a:t>2018-5-15</a:t>
+              <a:t>2019/5/28</a:t>
             </a:fld>
             <a:endParaRPr lang="zh-CN" altLang="en-US"/>
           </a:p>
@@ -4038,7 +4038,7 @@
           <a:p>
             <a:fld id="{8C53946E-E76F-439C-ADA2-2ABD83101984}" type="datetimeFigureOut">
               <a:rPr lang="zh-CN" altLang="en-US" smtClean="0"/>
-              <a:t>2018-5-15</a:t>
+              <a:t>2019/5/28</a:t>
             </a:fld>
             <a:endParaRPr lang="zh-CN" altLang="en-US"/>
           </a:p>
@@ -4298,7 +4298,7 @@
           <a:p>
             <a:fld id="{8C53946E-E76F-439C-ADA2-2ABD83101984}" type="datetimeFigureOut">
               <a:rPr lang="zh-CN" altLang="en-US" smtClean="0"/>
-              <a:t>2018-5-15</a:t>
+              <a:t>2019/5/28</a:t>
             </a:fld>
             <a:endParaRPr lang="zh-CN" altLang="en-US"/>
           </a:p>
@@ -4589,7 +4589,7 @@
           <a:p>
             <a:fld id="{8C53946E-E76F-439C-ADA2-2ABD83101984}" type="datetimeFigureOut">
               <a:rPr lang="zh-CN" altLang="en-US" smtClean="0"/>
-              <a:t>2018-5-15</a:t>
+              <a:t>2019/5/28</a:t>
             </a:fld>
             <a:endParaRPr lang="zh-CN" altLang="en-US"/>
           </a:p>
@@ -4916,7 +4916,7 @@
           <a:p>
             <a:fld id="{8C53946E-E76F-439C-ADA2-2ABD83101984}" type="datetimeFigureOut">
               <a:rPr lang="zh-CN" altLang="en-US" smtClean="0"/>
-              <a:t>2018-5-15</a:t>
+              <a:t>2019/5/28</a:t>
             </a:fld>
             <a:endParaRPr lang="zh-CN" altLang="en-US"/>
           </a:p>
@@ -5237,7 +5237,7 @@
           <a:p>
             <a:fld id="{8C53946E-E76F-439C-ADA2-2ABD83101984}" type="datetimeFigureOut">
               <a:rPr lang="zh-CN" altLang="en-US" smtClean="0"/>
-              <a:t>2018-5-15</a:t>
+              <a:t>2019/5/28</a:t>
             </a:fld>
             <a:endParaRPr lang="zh-CN" altLang="en-US"/>
           </a:p>
@@ -5692,7 +5692,7 @@
           <a:p>
             <a:fld id="{8C53946E-E76F-439C-ADA2-2ABD83101984}" type="datetimeFigureOut">
               <a:rPr lang="zh-CN" altLang="en-US" smtClean="0"/>
-              <a:t>2018-5-15</a:t>
+              <a:t>2019/5/28</a:t>
             </a:fld>
             <a:endParaRPr lang="zh-CN" altLang="en-US"/>
           </a:p>
@@ -5900,7 +5900,7 @@
           <a:p>
             <a:fld id="{8C53946E-E76F-439C-ADA2-2ABD83101984}" type="datetimeFigureOut">
               <a:rPr lang="zh-CN" altLang="en-US" smtClean="0"/>
-              <a:t>2018-5-15</a:t>
+              <a:t>2019/5/28</a:t>
             </a:fld>
             <a:endParaRPr lang="zh-CN" altLang="en-US"/>
           </a:p>
@@ -6075,7 +6075,7 @@
           <a:p>
             <a:fld id="{8C53946E-E76F-439C-ADA2-2ABD83101984}" type="datetimeFigureOut">
               <a:rPr lang="zh-CN" altLang="en-US" smtClean="0"/>
-              <a:t>2018-5-15</a:t>
+              <a:t>2019/5/28</a:t>
             </a:fld>
             <a:endParaRPr lang="zh-CN" altLang="en-US"/>
           </a:p>
@@ -6406,7 +6406,7 @@
           <a:p>
             <a:fld id="{8C53946E-E76F-439C-ADA2-2ABD83101984}" type="datetimeFigureOut">
               <a:rPr lang="zh-CN" altLang="en-US" smtClean="0"/>
-              <a:t>2018-5-15</a:t>
+              <a:t>2019/5/28</a:t>
             </a:fld>
             <a:endParaRPr lang="zh-CN" altLang="en-US"/>
           </a:p>
@@ -6749,7 +6749,7 @@
           <a:p>
             <a:fld id="{8C53946E-E76F-439C-ADA2-2ABD83101984}" type="datetimeFigureOut">
               <a:rPr lang="zh-CN" altLang="en-US" smtClean="0"/>
-              <a:t>2018-5-15</a:t>
+              <a:t>2019/5/28</a:t>
             </a:fld>
             <a:endParaRPr lang="zh-CN" altLang="en-US"/>
           </a:p>
@@ -8864,7 +8864,7 @@
           <a:p>
             <a:fld id="{8C53946E-E76F-439C-ADA2-2ABD83101984}" type="datetimeFigureOut">
               <a:rPr lang="zh-CN" altLang="en-US" smtClean="0"/>
-              <a:t>2018-5-15</a:t>
+              <a:t>2019/5/28</a:t>
             </a:fld>
             <a:endParaRPr lang="zh-CN" altLang="en-US"/>
           </a:p>
@@ -16271,7 +16271,7 @@
           <a:graphicData uri="http://schemas.openxmlformats.org/presentationml/2006/ole">
             <mc:AlternateContent xmlns:mc="http://schemas.openxmlformats.org/markup-compatibility/2006">
               <mc:Choice xmlns:v="urn:schemas-microsoft-com:vml" Requires="v">
-                <p:oleObj spid="_x0000_s1026" name="公式" r:id="rId3" imgW="1650960" imgH="457200" progId="Equation.3">
+                <p:oleObj spid="_x0000_s1027" name="公式" r:id="rId3" imgW="1650960" imgH="457200" progId="Equation.3">
                   <p:embed/>
                 </p:oleObj>
               </mc:Choice>
@@ -16719,7 +16719,7 @@
           <a:graphicData uri="http://schemas.openxmlformats.org/presentationml/2006/ole">
             <mc:AlternateContent xmlns:mc="http://schemas.openxmlformats.org/markup-compatibility/2006">
               <mc:Choice xmlns:v="urn:schemas-microsoft-com:vml" Requires="v">
-                <p:oleObj spid="_x0000_s2050" name="公式" r:id="rId3" imgW="1752480" imgH="457200" progId="Equation.3">
+                <p:oleObj spid="_x0000_s2051" name="公式" r:id="rId3" imgW="1752480" imgH="457200" progId="Equation.3">
                   <p:embed/>
                 </p:oleObj>
               </mc:Choice>
@@ -17160,7 +17160,7 @@
           <a:graphicData uri="http://schemas.openxmlformats.org/presentationml/2006/ole">
             <mc:AlternateContent xmlns:mc="http://schemas.openxmlformats.org/markup-compatibility/2006">
               <mc:Choice xmlns:v="urn:schemas-microsoft-com:vml" Requires="v">
-                <p:oleObj spid="_x0000_s3074" name="公式" r:id="rId3" imgW="1726920" imgH="457200" progId="Equation.3">
+                <p:oleObj spid="_x0000_s3075" name="公式" r:id="rId3" imgW="1726920" imgH="457200" progId="Equation.3">
                   <p:embed/>
                 </p:oleObj>
               </mc:Choice>
@@ -18700,7 +18700,7 @@
           <a:graphicData uri="http://schemas.openxmlformats.org/presentationml/2006/ole">
             <mc:AlternateContent xmlns:mc="http://schemas.openxmlformats.org/markup-compatibility/2006">
               <mc:Choice xmlns:v="urn:schemas-microsoft-com:vml" Requires="v">
-                <p:oleObj spid="_x0000_s4098" name="公式" r:id="rId3" imgW="2387520" imgH="457200" progId="Equation.3">
+                <p:oleObj spid="_x0000_s4100" name="公式" r:id="rId3" imgW="2387520" imgH="457200" progId="Equation.3">
                   <p:embed/>
                 </p:oleObj>
               </mc:Choice>
@@ -18928,7 +18928,7 @@
           <a:graphicData uri="http://schemas.openxmlformats.org/presentationml/2006/ole">
             <mc:AlternateContent xmlns:mc="http://schemas.openxmlformats.org/markup-compatibility/2006">
               <mc:Choice xmlns:v="urn:schemas-microsoft-com:vml" Requires="v">
-                <p:oleObj spid="_x0000_s4099" name="公式" r:id="rId5" imgW="1218960" imgH="431640" progId="Equation.3">
+                <p:oleObj spid="_x0000_s4101" name="公式" r:id="rId5" imgW="1218960" imgH="431640" progId="Equation.3">
                   <p:embed/>
                 </p:oleObj>
               </mc:Choice>
@@ -19229,7 +19229,7 @@
           <a:graphicData uri="http://schemas.openxmlformats.org/presentationml/2006/ole">
             <mc:AlternateContent xmlns:mc="http://schemas.openxmlformats.org/markup-compatibility/2006">
               <mc:Choice xmlns:v="urn:schemas-microsoft-com:vml" Requires="v">
-                <p:oleObj spid="_x0000_s5122" name="公式" r:id="rId3" imgW="1218960" imgH="431640" progId="Equation.3">
+                <p:oleObj spid="_x0000_s5131" name="公式" r:id="rId3" imgW="1218960" imgH="431640" progId="Equation.3">
                   <p:embed/>
                 </p:oleObj>
               </mc:Choice>
@@ -19328,7 +19328,7 @@
           <a:graphicData uri="http://schemas.openxmlformats.org/presentationml/2006/ole">
             <mc:AlternateContent xmlns:mc="http://schemas.openxmlformats.org/markup-compatibility/2006">
               <mc:Choice xmlns:v="urn:schemas-microsoft-com:vml" Requires="v">
-                <p:oleObj spid="_x0000_s5123" name="公式" r:id="rId5" imgW="787320" imgH="431640" progId="Equation.3">
+                <p:oleObj spid="_x0000_s5132" name="公式" r:id="rId5" imgW="787320" imgH="431640" progId="Equation.3">
                   <p:embed/>
                 </p:oleObj>
               </mc:Choice>
@@ -19427,7 +19427,7 @@
           <a:graphicData uri="http://schemas.openxmlformats.org/presentationml/2006/ole">
             <mc:AlternateContent xmlns:mc="http://schemas.openxmlformats.org/markup-compatibility/2006">
               <mc:Choice xmlns:v="urn:schemas-microsoft-com:vml" Requires="v">
-                <p:oleObj spid="_x0000_s5124" name="公式" r:id="rId7" imgW="1917360" imgH="431640" progId="Equation.3">
+                <p:oleObj spid="_x0000_s5133" name="公式" r:id="rId7" imgW="1917360" imgH="431640" progId="Equation.3">
                   <p:embed/>
                 </p:oleObj>
               </mc:Choice>
@@ -19526,7 +19526,7 @@
           <a:graphicData uri="http://schemas.openxmlformats.org/presentationml/2006/ole">
             <mc:AlternateContent xmlns:mc="http://schemas.openxmlformats.org/markup-compatibility/2006">
               <mc:Choice xmlns:v="urn:schemas-microsoft-com:vml" Requires="v">
-                <p:oleObj spid="_x0000_s5125" name="公式" r:id="rId9" imgW="1346040" imgH="431640" progId="Equation.3">
+                <p:oleObj spid="_x0000_s5134" name="公式" r:id="rId9" imgW="1346040" imgH="431640" progId="Equation.3">
                   <p:embed/>
                 </p:oleObj>
               </mc:Choice>
@@ -19625,7 +19625,7 @@
           <a:graphicData uri="http://schemas.openxmlformats.org/presentationml/2006/ole">
             <mc:AlternateContent xmlns:mc="http://schemas.openxmlformats.org/markup-compatibility/2006">
               <mc:Choice xmlns:v="urn:schemas-microsoft-com:vml" Requires="v">
-                <p:oleObj spid="_x0000_s5126" name="公式" r:id="rId11" imgW="2006280" imgH="431640" progId="Equation.3">
+                <p:oleObj spid="_x0000_s5135" name="公式" r:id="rId11" imgW="2006280" imgH="431640" progId="Equation.3">
                   <p:embed/>
                 </p:oleObj>
               </mc:Choice>
@@ -19724,7 +19724,7 @@
           <a:graphicData uri="http://schemas.openxmlformats.org/presentationml/2006/ole">
             <mc:AlternateContent xmlns:mc="http://schemas.openxmlformats.org/markup-compatibility/2006">
               <mc:Choice xmlns:v="urn:schemas-microsoft-com:vml" Requires="v">
-                <p:oleObj spid="_x0000_s5127" name="公式" r:id="rId13" imgW="2222280" imgH="444240" progId="Equation.3">
+                <p:oleObj spid="_x0000_s5136" name="公式" r:id="rId13" imgW="2222280" imgH="444240" progId="Equation.3">
                   <p:embed/>
                 </p:oleObj>
               </mc:Choice>
@@ -19823,7 +19823,7 @@
           <a:graphicData uri="http://schemas.openxmlformats.org/presentationml/2006/ole">
             <mc:AlternateContent xmlns:mc="http://schemas.openxmlformats.org/markup-compatibility/2006">
               <mc:Choice xmlns:v="urn:schemas-microsoft-com:vml" Requires="v">
-                <p:oleObj spid="_x0000_s5128" name="公式" r:id="rId15" imgW="1574640" imgH="444240" progId="Equation.3">
+                <p:oleObj spid="_x0000_s5137" name="公式" r:id="rId15" imgW="1574640" imgH="444240" progId="Equation.3">
                   <p:embed/>
                 </p:oleObj>
               </mc:Choice>
@@ -19922,7 +19922,7 @@
           <a:graphicData uri="http://schemas.openxmlformats.org/presentationml/2006/ole">
             <mc:AlternateContent xmlns:mc="http://schemas.openxmlformats.org/markup-compatibility/2006">
               <mc:Choice xmlns:v="urn:schemas-microsoft-com:vml" Requires="v">
-                <p:oleObj spid="_x0000_s5129" name="公式" r:id="rId17" imgW="3263760" imgH="419040" progId="Equation.3">
+                <p:oleObj spid="_x0000_s5138" name="公式" r:id="rId17" imgW="3263760" imgH="419040" progId="Equation.3">
                   <p:embed/>
                 </p:oleObj>
               </mc:Choice>
@@ -20021,7 +20021,7 @@
           <a:graphicData uri="http://schemas.openxmlformats.org/presentationml/2006/ole">
             <mc:AlternateContent xmlns:mc="http://schemas.openxmlformats.org/markup-compatibility/2006">
               <mc:Choice xmlns:v="urn:schemas-microsoft-com:vml" Requires="v">
-                <p:oleObj spid="_x0000_s5130" name="公式" r:id="rId19" imgW="1942920" imgH="393480" progId="Equation.3">
+                <p:oleObj spid="_x0000_s5139" name="公式" r:id="rId19" imgW="1942920" imgH="393480" progId="Equation.3">
                   <p:embed/>
                 </p:oleObj>
               </mc:Choice>
@@ -21017,7 +21017,7 @@
           <a:graphicData uri="http://schemas.openxmlformats.org/presentationml/2006/ole">
             <mc:AlternateContent xmlns:mc="http://schemas.openxmlformats.org/markup-compatibility/2006">
               <mc:Choice xmlns:v="urn:schemas-microsoft-com:vml" Requires="v">
-                <p:oleObj spid="_x0000_s6146" name="公式" r:id="rId4" imgW="1942920" imgH="393480" progId="Equation.3">
+                <p:oleObj spid="_x0000_s6151" name="公式" r:id="rId4" imgW="1942920" imgH="393480" progId="Equation.3">
                   <p:embed/>
                 </p:oleObj>
               </mc:Choice>
@@ -21110,7 +21110,7 @@
           <a:graphicData uri="http://schemas.openxmlformats.org/presentationml/2006/ole">
             <mc:AlternateContent xmlns:mc="http://schemas.openxmlformats.org/markup-compatibility/2006">
               <mc:Choice xmlns:v="urn:schemas-microsoft-com:vml" Requires="v">
-                <p:oleObj spid="_x0000_s6147" name="公式" r:id="rId6" imgW="3390840" imgH="431640" progId="Equation.3">
+                <p:oleObj spid="_x0000_s6152" name="公式" r:id="rId6" imgW="3390840" imgH="431640" progId="Equation.3">
                   <p:embed/>
                 </p:oleObj>
               </mc:Choice>
@@ -21203,7 +21203,7 @@
           <a:graphicData uri="http://schemas.openxmlformats.org/presentationml/2006/ole">
             <mc:AlternateContent xmlns:mc="http://schemas.openxmlformats.org/markup-compatibility/2006">
               <mc:Choice xmlns:v="urn:schemas-microsoft-com:vml" Requires="v">
-                <p:oleObj spid="_x0000_s6148" name="公式" r:id="rId8" imgW="3035160" imgH="419040" progId="Equation.3">
+                <p:oleObj spid="_x0000_s6153" name="公式" r:id="rId8" imgW="3035160" imgH="419040" progId="Equation.3">
                   <p:embed/>
                 </p:oleObj>
               </mc:Choice>
@@ -21296,7 +21296,7 @@
           <a:graphicData uri="http://schemas.openxmlformats.org/presentationml/2006/ole">
             <mc:AlternateContent xmlns:mc="http://schemas.openxmlformats.org/markup-compatibility/2006">
               <mc:Choice xmlns:v="urn:schemas-microsoft-com:vml" Requires="v">
-                <p:oleObj spid="_x0000_s6149" name="公式" r:id="rId10" imgW="4495680" imgH="431640" progId="Equation.3">
+                <p:oleObj spid="_x0000_s6154" name="公式" r:id="rId10" imgW="4495680" imgH="431640" progId="Equation.3">
                   <p:embed/>
                 </p:oleObj>
               </mc:Choice>
@@ -21389,7 +21389,7 @@
           <a:graphicData uri="http://schemas.openxmlformats.org/presentationml/2006/ole">
             <mc:AlternateContent xmlns:mc="http://schemas.openxmlformats.org/markup-compatibility/2006">
               <mc:Choice xmlns:v="urn:schemas-microsoft-com:vml" Requires="v">
-                <p:oleObj spid="_x0000_s6150" name="公式" r:id="rId12" imgW="4444920" imgH="419040" progId="Equation.3">
+                <p:oleObj spid="_x0000_s6155" name="公式" r:id="rId12" imgW="4444920" imgH="419040" progId="Equation.3">
                   <p:embed/>
                 </p:oleObj>
               </mc:Choice>
@@ -23869,7 +23869,7 @@
           <a:graphicData uri="http://schemas.openxmlformats.org/presentationml/2006/ole">
             <mc:AlternateContent xmlns:mc="http://schemas.openxmlformats.org/markup-compatibility/2006">
               <mc:Choice xmlns:v="urn:schemas-microsoft-com:vml" Requires="v">
-                <p:oleObj spid="_x0000_s7170" name="公式" r:id="rId3" imgW="1968480" imgH="457200" progId="Equation.3">
+                <p:oleObj spid="_x0000_s7172" name="公式" r:id="rId3" imgW="1968480" imgH="457200" progId="Equation.3">
                   <p:embed/>
                 </p:oleObj>
               </mc:Choice>
@@ -23968,7 +23968,7 @@
           <a:graphicData uri="http://schemas.openxmlformats.org/presentationml/2006/ole">
             <mc:AlternateContent xmlns:mc="http://schemas.openxmlformats.org/markup-compatibility/2006">
               <mc:Choice xmlns:v="urn:schemas-microsoft-com:vml" Requires="v">
-                <p:oleObj spid="_x0000_s7171" name="公式" r:id="rId5" imgW="1917360" imgH="457200" progId="Equation.3">
+                <p:oleObj spid="_x0000_s7173" name="公式" r:id="rId5" imgW="1917360" imgH="457200" progId="Equation.3">
                   <p:embed/>
                 </p:oleObj>
               </mc:Choice>
@@ -24645,7 +24645,7 @@
           <a:graphicData uri="http://schemas.openxmlformats.org/presentationml/2006/ole">
             <mc:AlternateContent xmlns:mc="http://schemas.openxmlformats.org/markup-compatibility/2006">
               <mc:Choice xmlns:v="urn:schemas-microsoft-com:vml" Requires="v">
-                <p:oleObj spid="_x0000_s8194" name="公式" r:id="rId3" imgW="1307880" imgH="482400" progId="Equation.3">
+                <p:oleObj spid="_x0000_s8202" name="公式" r:id="rId3" imgW="1307880" imgH="482400" progId="Equation.3">
                   <p:embed/>
                 </p:oleObj>
               </mc:Choice>
@@ -24738,7 +24738,7 @@
           <a:graphicData uri="http://schemas.openxmlformats.org/presentationml/2006/ole">
             <mc:AlternateContent xmlns:mc="http://schemas.openxmlformats.org/markup-compatibility/2006">
               <mc:Choice xmlns:v="urn:schemas-microsoft-com:vml" Requires="v">
-                <p:oleObj spid="_x0000_s8195" name="公式" r:id="rId5" imgW="1447560" imgH="431640" progId="Equation.3">
+                <p:oleObj spid="_x0000_s8203" name="公式" r:id="rId5" imgW="1447560" imgH="431640" progId="Equation.3">
                   <p:embed/>
                 </p:oleObj>
               </mc:Choice>
@@ -24831,7 +24831,7 @@
           <a:graphicData uri="http://schemas.openxmlformats.org/presentationml/2006/ole">
             <mc:AlternateContent xmlns:mc="http://schemas.openxmlformats.org/markup-compatibility/2006">
               <mc:Choice xmlns:v="urn:schemas-microsoft-com:vml" Requires="v">
-                <p:oleObj spid="_x0000_s8196" name="公式" r:id="rId7" imgW="2590560" imgH="241200" progId="Equation.3">
+                <p:oleObj spid="_x0000_s8204" name="公式" r:id="rId7" imgW="2590560" imgH="241200" progId="Equation.3">
                   <p:embed/>
                 </p:oleObj>
               </mc:Choice>
@@ -24924,7 +24924,7 @@
           <a:graphicData uri="http://schemas.openxmlformats.org/presentationml/2006/ole">
             <mc:AlternateContent xmlns:mc="http://schemas.openxmlformats.org/markup-compatibility/2006">
               <mc:Choice xmlns:v="urn:schemas-microsoft-com:vml" Requires="v">
-                <p:oleObj spid="_x0000_s8197" name="公式" r:id="rId9" imgW="3009600" imgH="241200" progId="Equation.3">
+                <p:oleObj spid="_x0000_s8205" name="公式" r:id="rId9" imgW="3009600" imgH="241200" progId="Equation.3">
                   <p:embed/>
                 </p:oleObj>
               </mc:Choice>
@@ -25017,7 +25017,7 @@
           <a:graphicData uri="http://schemas.openxmlformats.org/presentationml/2006/ole">
             <mc:AlternateContent xmlns:mc="http://schemas.openxmlformats.org/markup-compatibility/2006">
               <mc:Choice xmlns:v="urn:schemas-microsoft-com:vml" Requires="v">
-                <p:oleObj spid="_x0000_s8198" name="公式" r:id="rId11" imgW="2286000" imgH="228600" progId="Equation.3">
+                <p:oleObj spid="_x0000_s8206" name="公式" r:id="rId11" imgW="2286000" imgH="228600" progId="Equation.3">
                   <p:embed/>
                 </p:oleObj>
               </mc:Choice>
@@ -25110,7 +25110,7 @@
           <a:graphicData uri="http://schemas.openxmlformats.org/presentationml/2006/ole">
             <mc:AlternateContent xmlns:mc="http://schemas.openxmlformats.org/markup-compatibility/2006">
               <mc:Choice xmlns:v="urn:schemas-microsoft-com:vml" Requires="v">
-                <p:oleObj spid="_x0000_s8199" name="公式" r:id="rId13" imgW="1904760" imgH="431640" progId="Equation.3">
+                <p:oleObj spid="_x0000_s8207" name="公式" r:id="rId13" imgW="1904760" imgH="431640" progId="Equation.3">
                   <p:embed/>
                 </p:oleObj>
               </mc:Choice>
@@ -25203,7 +25203,7 @@
           <a:graphicData uri="http://schemas.openxmlformats.org/presentationml/2006/ole">
             <mc:AlternateContent xmlns:mc="http://schemas.openxmlformats.org/markup-compatibility/2006">
               <mc:Choice xmlns:v="urn:schemas-microsoft-com:vml" Requires="v">
-                <p:oleObj spid="_x0000_s8200" name="公式" r:id="rId15" imgW="2120760" imgH="431640" progId="Equation.3">
+                <p:oleObj spid="_x0000_s8208" name="公式" r:id="rId15" imgW="2120760" imgH="431640" progId="Equation.3">
                   <p:embed/>
                 </p:oleObj>
               </mc:Choice>
@@ -25296,7 +25296,7 @@
           <a:graphicData uri="http://schemas.openxmlformats.org/presentationml/2006/ole">
             <mc:AlternateContent xmlns:mc="http://schemas.openxmlformats.org/markup-compatibility/2006">
               <mc:Choice xmlns:v="urn:schemas-microsoft-com:vml" Requires="v">
-                <p:oleObj spid="_x0000_s8201" name="公式" r:id="rId17" imgW="1409400" imgH="419040" progId="Equation.3">
+                <p:oleObj spid="_x0000_s8209" name="公式" r:id="rId17" imgW="1409400" imgH="419040" progId="Equation.3">
                   <p:embed/>
                 </p:oleObj>
               </mc:Choice>
@@ -25930,7 +25930,7 @@
           <a:graphicData uri="http://schemas.openxmlformats.org/presentationml/2006/ole">
             <mc:AlternateContent xmlns:mc="http://schemas.openxmlformats.org/markup-compatibility/2006">
               <mc:Choice xmlns:v="urn:schemas-microsoft-com:vml" Requires="v">
-                <p:oleObj spid="_x0000_s9218" name="公式" r:id="rId3" imgW="1282680" imgH="419040" progId="Equation.3">
+                <p:oleObj spid="_x0000_s9223" name="公式" r:id="rId3" imgW="1282680" imgH="419040" progId="Equation.3">
                   <p:embed/>
                 </p:oleObj>
               </mc:Choice>
@@ -26023,7 +26023,7 @@
           <a:graphicData uri="http://schemas.openxmlformats.org/presentationml/2006/ole">
             <mc:AlternateContent xmlns:mc="http://schemas.openxmlformats.org/markup-compatibility/2006">
               <mc:Choice xmlns:v="urn:schemas-microsoft-com:vml" Requires="v">
-                <p:oleObj spid="_x0000_s9219" name="公式" r:id="rId5" imgW="4190760" imgH="419040" progId="Equation.3">
+                <p:oleObj spid="_x0000_s9224" name="公式" r:id="rId5" imgW="4190760" imgH="419040" progId="Equation.3">
                   <p:embed/>
                 </p:oleObj>
               </mc:Choice>
@@ -26116,7 +26116,7 @@
           <a:graphicData uri="http://schemas.openxmlformats.org/presentationml/2006/ole">
             <mc:AlternateContent xmlns:mc="http://schemas.openxmlformats.org/markup-compatibility/2006">
               <mc:Choice xmlns:v="urn:schemas-microsoft-com:vml" Requires="v">
-                <p:oleObj spid="_x0000_s9220" name="公式" r:id="rId7" imgW="2286000" imgH="457200" progId="Equation.3">
+                <p:oleObj spid="_x0000_s9225" name="公式" r:id="rId7" imgW="2286000" imgH="457200" progId="Equation.3">
                   <p:embed/>
                 </p:oleObj>
               </mc:Choice>
@@ -26209,7 +26209,7 @@
           <a:graphicData uri="http://schemas.openxmlformats.org/presentationml/2006/ole">
             <mc:AlternateContent xmlns:mc="http://schemas.openxmlformats.org/markup-compatibility/2006">
               <mc:Choice xmlns:v="urn:schemas-microsoft-com:vml" Requires="v">
-                <p:oleObj spid="_x0000_s9221" name="公式" r:id="rId9" imgW="1371600" imgH="393480" progId="Equation.3">
+                <p:oleObj spid="_x0000_s9226" name="公式" r:id="rId9" imgW="1371600" imgH="393480" progId="Equation.3">
                   <p:embed/>
                 </p:oleObj>
               </mc:Choice>
@@ -26302,7 +26302,7 @@
           <a:graphicData uri="http://schemas.openxmlformats.org/presentationml/2006/ole">
             <mc:AlternateContent xmlns:mc="http://schemas.openxmlformats.org/markup-compatibility/2006">
               <mc:Choice xmlns:v="urn:schemas-microsoft-com:vml" Requires="v">
-                <p:oleObj spid="_x0000_s9222" name="公式" r:id="rId11" imgW="2044440" imgH="431640" progId="Equation.3">
+                <p:oleObj spid="_x0000_s9227" name="公式" r:id="rId11" imgW="2044440" imgH="431640" progId="Equation.3">
                   <p:embed/>
                 </p:oleObj>
               </mc:Choice>
@@ -28029,7 +28029,7 @@
           <a:graphicData uri="http://schemas.openxmlformats.org/presentationml/2006/ole">
             <mc:AlternateContent xmlns:mc="http://schemas.openxmlformats.org/markup-compatibility/2006">
               <mc:Choice xmlns:v="urn:schemas-microsoft-com:vml" Requires="v">
-                <p:oleObj spid="_x0000_s10242" name="公式" r:id="rId3" imgW="2311200" imgH="634680" progId="Equation.3">
+                <p:oleObj spid="_x0000_s10243" name="公式" r:id="rId3" imgW="2311200" imgH="634680" progId="Equation.3">
                   <p:embed/>
                 </p:oleObj>
               </mc:Choice>
@@ -28720,7 +28720,7 @@
           <a:graphicData uri="http://schemas.openxmlformats.org/presentationml/2006/ole">
             <mc:AlternateContent xmlns:mc="http://schemas.openxmlformats.org/markup-compatibility/2006">
               <mc:Choice xmlns:v="urn:schemas-microsoft-com:vml" Requires="v">
-                <p:oleObj spid="_x0000_s11266" name="公式" r:id="rId3" imgW="1574640" imgH="634680" progId="Equation.3">
+                <p:oleObj spid="_x0000_s11277" name="公式" r:id="rId3" imgW="1574640" imgH="634680" progId="Equation.3">
                   <p:embed/>
                 </p:oleObj>
               </mc:Choice>
@@ -28813,7 +28813,7 @@
           <a:graphicData uri="http://schemas.openxmlformats.org/presentationml/2006/ole">
             <mc:AlternateContent xmlns:mc="http://schemas.openxmlformats.org/markup-compatibility/2006">
               <mc:Choice xmlns:v="urn:schemas-microsoft-com:vml" Requires="v">
-                <p:oleObj spid="_x0000_s11267" name="公式" r:id="rId5" imgW="1333440" imgH="431640" progId="Equation.3">
+                <p:oleObj spid="_x0000_s11278" name="公式" r:id="rId5" imgW="1333440" imgH="431640" progId="Equation.3">
                   <p:embed/>
                 </p:oleObj>
               </mc:Choice>
@@ -28906,7 +28906,7 @@
           <a:graphicData uri="http://schemas.openxmlformats.org/presentationml/2006/ole">
             <mc:AlternateContent xmlns:mc="http://schemas.openxmlformats.org/markup-compatibility/2006">
               <mc:Choice xmlns:v="urn:schemas-microsoft-com:vml" Requires="v">
-                <p:oleObj spid="_x0000_s11268" name="公式" r:id="rId7" imgW="1981080" imgH="431640" progId="Equation.3">
+                <p:oleObj spid="_x0000_s11279" name="公式" r:id="rId7" imgW="1981080" imgH="431640" progId="Equation.3">
                   <p:embed/>
                 </p:oleObj>
               </mc:Choice>
@@ -28999,7 +28999,7 @@
           <a:graphicData uri="http://schemas.openxmlformats.org/presentationml/2006/ole">
             <mc:AlternateContent xmlns:mc="http://schemas.openxmlformats.org/markup-compatibility/2006">
               <mc:Choice xmlns:v="urn:schemas-microsoft-com:vml" Requires="v">
-                <p:oleObj spid="_x0000_s11269" name="公式" r:id="rId9" imgW="1015920" imgH="431640" progId="Equation.3">
+                <p:oleObj spid="_x0000_s11280" name="公式" r:id="rId9" imgW="1015920" imgH="431640" progId="Equation.3">
                   <p:embed/>
                 </p:oleObj>
               </mc:Choice>
@@ -29092,7 +29092,7 @@
           <a:graphicData uri="http://schemas.openxmlformats.org/presentationml/2006/ole">
             <mc:AlternateContent xmlns:mc="http://schemas.openxmlformats.org/markup-compatibility/2006">
               <mc:Choice xmlns:v="urn:schemas-microsoft-com:vml" Requires="v">
-                <p:oleObj spid="_x0000_s11270" name="公式" r:id="rId11" imgW="368280" imgH="228600" progId="Equation.3">
+                <p:oleObj spid="_x0000_s11281" name="公式" r:id="rId11" imgW="368280" imgH="228600" progId="Equation.3">
                   <p:embed/>
                 </p:oleObj>
               </mc:Choice>
@@ -29185,7 +29185,7 @@
           <a:graphicData uri="http://schemas.openxmlformats.org/presentationml/2006/ole">
             <mc:AlternateContent xmlns:mc="http://schemas.openxmlformats.org/markup-compatibility/2006">
               <mc:Choice xmlns:v="urn:schemas-microsoft-com:vml" Requires="v">
-                <p:oleObj spid="_x0000_s11271" name="公式" r:id="rId13" imgW="1282680" imgH="431640" progId="Equation.3">
+                <p:oleObj spid="_x0000_s11282" name="公式" r:id="rId13" imgW="1282680" imgH="431640" progId="Equation.3">
                   <p:embed/>
                 </p:oleObj>
               </mc:Choice>
@@ -29278,7 +29278,7 @@
           <a:graphicData uri="http://schemas.openxmlformats.org/presentationml/2006/ole">
             <mc:AlternateContent xmlns:mc="http://schemas.openxmlformats.org/markup-compatibility/2006">
               <mc:Choice xmlns:v="urn:schemas-microsoft-com:vml" Requires="v">
-                <p:oleObj spid="_x0000_s11272" name="公式" r:id="rId15" imgW="2082600" imgH="431640" progId="Equation.3">
+                <p:oleObj spid="_x0000_s11283" name="公式" r:id="rId15" imgW="2082600" imgH="431640" progId="Equation.3">
                   <p:embed/>
                 </p:oleObj>
               </mc:Choice>
@@ -29371,7 +29371,7 @@
           <a:graphicData uri="http://schemas.openxmlformats.org/presentationml/2006/ole">
             <mc:AlternateContent xmlns:mc="http://schemas.openxmlformats.org/markup-compatibility/2006">
               <mc:Choice xmlns:v="urn:schemas-microsoft-com:vml" Requires="v">
-                <p:oleObj spid="_x0000_s11273" name="公式" r:id="rId17" imgW="1434960" imgH="241200" progId="Equation.3">
+                <p:oleObj spid="_x0000_s11284" name="公式" r:id="rId17" imgW="1434960" imgH="241200" progId="Equation.3">
                   <p:embed/>
                 </p:oleObj>
               </mc:Choice>
@@ -29464,7 +29464,7 @@
           <a:graphicData uri="http://schemas.openxmlformats.org/presentationml/2006/ole">
             <mc:AlternateContent xmlns:mc="http://schemas.openxmlformats.org/markup-compatibility/2006">
               <mc:Choice xmlns:v="urn:schemas-microsoft-com:vml" Requires="v">
-                <p:oleObj spid="_x0000_s11274" name="公式" r:id="rId19" imgW="1892160" imgH="228600" progId="Equation.3">
+                <p:oleObj spid="_x0000_s11285" name="公式" r:id="rId19" imgW="1892160" imgH="228600" progId="Equation.3">
                   <p:embed/>
                 </p:oleObj>
               </mc:Choice>
@@ -29557,7 +29557,7 @@
           <a:graphicData uri="http://schemas.openxmlformats.org/presentationml/2006/ole">
             <mc:AlternateContent xmlns:mc="http://schemas.openxmlformats.org/markup-compatibility/2006">
               <mc:Choice xmlns:v="urn:schemas-microsoft-com:vml" Requires="v">
-                <p:oleObj spid="_x0000_s11275" name="公式" r:id="rId21" imgW="1828800" imgH="431640" progId="Equation.3">
+                <p:oleObj spid="_x0000_s11286" name="公式" r:id="rId21" imgW="1828800" imgH="431640" progId="Equation.3">
                   <p:embed/>
                 </p:oleObj>
               </mc:Choice>
@@ -29650,7 +29650,7 @@
           <a:graphicData uri="http://schemas.openxmlformats.org/presentationml/2006/ole">
             <mc:AlternateContent xmlns:mc="http://schemas.openxmlformats.org/markup-compatibility/2006">
               <mc:Choice xmlns:v="urn:schemas-microsoft-com:vml" Requires="v">
-                <p:oleObj spid="_x0000_s11276" name="公式" r:id="rId23" imgW="2197080" imgH="431640" progId="Equation.3">
+                <p:oleObj spid="_x0000_s11287" name="公式" r:id="rId23" imgW="2197080" imgH="431640" progId="Equation.3">
                   <p:embed/>
                 </p:oleObj>
               </mc:Choice>
@@ -30309,7 +30309,7 @@
           <a:graphicData uri="http://schemas.openxmlformats.org/presentationml/2006/ole">
             <mc:AlternateContent xmlns:mc="http://schemas.openxmlformats.org/markup-compatibility/2006">
               <mc:Choice xmlns:v="urn:schemas-microsoft-com:vml" Requires="v">
-                <p:oleObj spid="_x0000_s12290" name="公式" r:id="rId3" imgW="1130040" imgH="431640" progId="Equation.3">
+                <p:oleObj spid="_x0000_s12300" name="公式" r:id="rId3" imgW="1130040" imgH="431640" progId="Equation.3">
                   <p:embed/>
                 </p:oleObj>
               </mc:Choice>
@@ -30402,7 +30402,7 @@
           <a:graphicData uri="http://schemas.openxmlformats.org/presentationml/2006/ole">
             <mc:AlternateContent xmlns:mc="http://schemas.openxmlformats.org/markup-compatibility/2006">
               <mc:Choice xmlns:v="urn:schemas-microsoft-com:vml" Requires="v">
-                <p:oleObj spid="_x0000_s12291" name="公式" r:id="rId5" imgW="1346040" imgH="444240" progId="Equation.3">
+                <p:oleObj spid="_x0000_s12301" name="公式" r:id="rId5" imgW="1346040" imgH="444240" progId="Equation.3">
                   <p:embed/>
                 </p:oleObj>
               </mc:Choice>
@@ -30495,7 +30495,7 @@
           <a:graphicData uri="http://schemas.openxmlformats.org/presentationml/2006/ole">
             <mc:AlternateContent xmlns:mc="http://schemas.openxmlformats.org/markup-compatibility/2006">
               <mc:Choice xmlns:v="urn:schemas-microsoft-com:vml" Requires="v">
-                <p:oleObj spid="_x0000_s12292" name="公式" r:id="rId7" imgW="1638000" imgH="419040" progId="Equation.3">
+                <p:oleObj spid="_x0000_s12302" name="公式" r:id="rId7" imgW="1638000" imgH="419040" progId="Equation.3">
                   <p:embed/>
                 </p:oleObj>
               </mc:Choice>
@@ -30588,7 +30588,7 @@
           <a:graphicData uri="http://schemas.openxmlformats.org/presentationml/2006/ole">
             <mc:AlternateContent xmlns:mc="http://schemas.openxmlformats.org/markup-compatibility/2006">
               <mc:Choice xmlns:v="urn:schemas-microsoft-com:vml" Requires="v">
-                <p:oleObj spid="_x0000_s12293" name="公式" r:id="rId9" imgW="2158920" imgH="419040" progId="Equation.3">
+                <p:oleObj spid="_x0000_s12303" name="公式" r:id="rId9" imgW="2158920" imgH="419040" progId="Equation.3">
                   <p:embed/>
                 </p:oleObj>
               </mc:Choice>
@@ -30681,7 +30681,7 @@
           <a:graphicData uri="http://schemas.openxmlformats.org/presentationml/2006/ole">
             <mc:AlternateContent xmlns:mc="http://schemas.openxmlformats.org/markup-compatibility/2006">
               <mc:Choice xmlns:v="urn:schemas-microsoft-com:vml" Requires="v">
-                <p:oleObj spid="_x0000_s12294" name="公式" r:id="rId11" imgW="2616120" imgH="419040" progId="Equation.3">
+                <p:oleObj spid="_x0000_s12304" name="公式" r:id="rId11" imgW="2616120" imgH="419040" progId="Equation.3">
                   <p:embed/>
                 </p:oleObj>
               </mc:Choice>
@@ -30774,7 +30774,7 @@
           <a:graphicData uri="http://schemas.openxmlformats.org/presentationml/2006/ole">
             <mc:AlternateContent xmlns:mc="http://schemas.openxmlformats.org/markup-compatibility/2006">
               <mc:Choice xmlns:v="urn:schemas-microsoft-com:vml" Requires="v">
-                <p:oleObj spid="_x0000_s12295" name="公式" r:id="rId13" imgW="2336760" imgH="444240" progId="Equation.3">
+                <p:oleObj spid="_x0000_s12305" name="公式" r:id="rId13" imgW="2336760" imgH="444240" progId="Equation.3">
                   <p:embed/>
                 </p:oleObj>
               </mc:Choice>
@@ -30936,7 +30936,7 @@
           <a:graphicData uri="http://schemas.openxmlformats.org/presentationml/2006/ole">
             <mc:AlternateContent xmlns:mc="http://schemas.openxmlformats.org/markup-compatibility/2006">
               <mc:Choice xmlns:v="urn:schemas-microsoft-com:vml" Requires="v">
-                <p:oleObj spid="_x0000_s12296" name="公式" r:id="rId15" imgW="1168200" imgH="330120" progId="Equation.3">
+                <p:oleObj spid="_x0000_s12306" name="公式" r:id="rId15" imgW="1168200" imgH="330120" progId="Equation.3">
                   <p:embed/>
                 </p:oleObj>
               </mc:Choice>
@@ -31029,7 +31029,7 @@
           <a:graphicData uri="http://schemas.openxmlformats.org/presentationml/2006/ole">
             <mc:AlternateContent xmlns:mc="http://schemas.openxmlformats.org/markup-compatibility/2006">
               <mc:Choice xmlns:v="urn:schemas-microsoft-com:vml" Requires="v">
-                <p:oleObj spid="_x0000_s12297" name="公式" r:id="rId17" imgW="2590560" imgH="609480" progId="Equation.3">
+                <p:oleObj spid="_x0000_s12307" name="公式" r:id="rId17" imgW="2590560" imgH="609480" progId="Equation.3">
                   <p:embed/>
                 </p:oleObj>
               </mc:Choice>
@@ -31122,7 +31122,7 @@
           <a:graphicData uri="http://schemas.openxmlformats.org/presentationml/2006/ole">
             <mc:AlternateContent xmlns:mc="http://schemas.openxmlformats.org/markup-compatibility/2006">
               <mc:Choice xmlns:v="urn:schemas-microsoft-com:vml" Requires="v">
-                <p:oleObj spid="_x0000_s12298" name="公式" r:id="rId19" imgW="1714320" imgH="444240" progId="Equation.3">
+                <p:oleObj spid="_x0000_s12308" name="公式" r:id="rId19" imgW="1714320" imgH="444240" progId="Equation.3">
                   <p:embed/>
                 </p:oleObj>
               </mc:Choice>
@@ -31215,7 +31215,7 @@
           <a:graphicData uri="http://schemas.openxmlformats.org/presentationml/2006/ole">
             <mc:AlternateContent xmlns:mc="http://schemas.openxmlformats.org/markup-compatibility/2006">
               <mc:Choice xmlns:v="urn:schemas-microsoft-com:vml" Requires="v">
-                <p:oleObj spid="_x0000_s12299" name="公式" r:id="rId21" imgW="1600200" imgH="431640" progId="Equation.3">
+                <p:oleObj spid="_x0000_s12309" name="公式" r:id="rId21" imgW="1600200" imgH="431640" progId="Equation.3">
                   <p:embed/>
                 </p:oleObj>
               </mc:Choice>
@@ -31868,7 +31868,7 @@
           <a:graphicData uri="http://schemas.openxmlformats.org/presentationml/2006/ole">
             <mc:AlternateContent xmlns:mc="http://schemas.openxmlformats.org/markup-compatibility/2006">
               <mc:Choice xmlns:v="urn:schemas-microsoft-com:vml" Requires="v">
-                <p:oleObj spid="_x0000_s13314" name="公式" r:id="rId3" imgW="3136680" imgH="444240" progId="Equation.3">
+                <p:oleObj spid="_x0000_s13321" name="公式" r:id="rId3" imgW="3136680" imgH="444240" progId="Equation.3">
                   <p:embed/>
                 </p:oleObj>
               </mc:Choice>
@@ -31961,7 +31961,7 @@
           <a:graphicData uri="http://schemas.openxmlformats.org/presentationml/2006/ole">
             <mc:AlternateContent xmlns:mc="http://schemas.openxmlformats.org/markup-compatibility/2006">
               <mc:Choice xmlns:v="urn:schemas-microsoft-com:vml" Requires="v">
-                <p:oleObj spid="_x0000_s13315" name="公式" r:id="rId5" imgW="2006280" imgH="634680" progId="Equation.3">
+                <p:oleObj spid="_x0000_s13322" name="公式" r:id="rId5" imgW="2006280" imgH="634680" progId="Equation.3">
                   <p:embed/>
                 </p:oleObj>
               </mc:Choice>
@@ -32054,7 +32054,7 @@
           <a:graphicData uri="http://schemas.openxmlformats.org/presentationml/2006/ole">
             <mc:AlternateContent xmlns:mc="http://schemas.openxmlformats.org/markup-compatibility/2006">
               <mc:Choice xmlns:v="urn:schemas-microsoft-com:vml" Requires="v">
-                <p:oleObj spid="_x0000_s13316" name="公式" r:id="rId7" imgW="1638000" imgH="634680" progId="Equation.3">
+                <p:oleObj spid="_x0000_s13323" name="公式" r:id="rId7" imgW="1638000" imgH="634680" progId="Equation.3">
                   <p:embed/>
                 </p:oleObj>
               </mc:Choice>
@@ -32147,7 +32147,7 @@
           <a:graphicData uri="http://schemas.openxmlformats.org/presentationml/2006/ole">
             <mc:AlternateContent xmlns:mc="http://schemas.openxmlformats.org/markup-compatibility/2006">
               <mc:Choice xmlns:v="urn:schemas-microsoft-com:vml" Requires="v">
-                <p:oleObj spid="_x0000_s13317" name="公式" r:id="rId9" imgW="2781000" imgH="812520" progId="Equation.3">
+                <p:oleObj spid="_x0000_s13324" name="公式" r:id="rId9" imgW="2781000" imgH="812520" progId="Equation.3">
                   <p:embed/>
                 </p:oleObj>
               </mc:Choice>
@@ -32240,7 +32240,7 @@
           <a:graphicData uri="http://schemas.openxmlformats.org/presentationml/2006/ole">
             <mc:AlternateContent xmlns:mc="http://schemas.openxmlformats.org/markup-compatibility/2006">
               <mc:Choice xmlns:v="urn:schemas-microsoft-com:vml" Requires="v">
-                <p:oleObj spid="_x0000_s13318" name="公式" r:id="rId11" imgW="1739880" imgH="634680" progId="Equation.3">
+                <p:oleObj spid="_x0000_s13325" name="公式" r:id="rId11" imgW="1739880" imgH="634680" progId="Equation.3">
                   <p:embed/>
                 </p:oleObj>
               </mc:Choice>
@@ -32333,7 +32333,7 @@
           <a:graphicData uri="http://schemas.openxmlformats.org/presentationml/2006/ole">
             <mc:AlternateContent xmlns:mc="http://schemas.openxmlformats.org/markup-compatibility/2006">
               <mc:Choice xmlns:v="urn:schemas-microsoft-com:vml" Requires="v">
-                <p:oleObj spid="_x0000_s13319" name="公式" r:id="rId13" imgW="1562040" imgH="634680" progId="Equation.3">
+                <p:oleObj spid="_x0000_s13326" name="公式" r:id="rId13" imgW="1562040" imgH="634680" progId="Equation.3">
                   <p:embed/>
                 </p:oleObj>
               </mc:Choice>
@@ -32426,7 +32426,7 @@
           <a:graphicData uri="http://schemas.openxmlformats.org/presentationml/2006/ole">
             <mc:AlternateContent xmlns:mc="http://schemas.openxmlformats.org/markup-compatibility/2006">
               <mc:Choice xmlns:v="urn:schemas-microsoft-com:vml" Requires="v">
-                <p:oleObj spid="_x0000_s13320" name="公式" r:id="rId15" imgW="1600200" imgH="634680" progId="Equation.3">
+                <p:oleObj spid="_x0000_s13327" name="公式" r:id="rId15" imgW="1600200" imgH="634680" progId="Equation.3">
                   <p:embed/>
                 </p:oleObj>
               </mc:Choice>
@@ -32905,7 +32905,7 @@
           <a:graphicData uri="http://schemas.openxmlformats.org/presentationml/2006/ole">
             <mc:AlternateContent xmlns:mc="http://schemas.openxmlformats.org/markup-compatibility/2006">
               <mc:Choice xmlns:v="urn:schemas-microsoft-com:vml" Requires="v">
-                <p:oleObj spid="_x0000_s14338" name="公式" r:id="rId3" imgW="1485720" imgH="634680" progId="Equation.3">
+                <p:oleObj spid="_x0000_s14345" name="公式" r:id="rId3" imgW="1485720" imgH="634680" progId="Equation.3">
                   <p:embed/>
                 </p:oleObj>
               </mc:Choice>
@@ -32998,7 +32998,7 @@
           <a:graphicData uri="http://schemas.openxmlformats.org/presentationml/2006/ole">
             <mc:AlternateContent xmlns:mc="http://schemas.openxmlformats.org/markup-compatibility/2006">
               <mc:Choice xmlns:v="urn:schemas-microsoft-com:vml" Requires="v">
-                <p:oleObj spid="_x0000_s14339" name="公式" r:id="rId5" imgW="1638000" imgH="444240" progId="Equation.3">
+                <p:oleObj spid="_x0000_s14346" name="公式" r:id="rId5" imgW="1638000" imgH="444240" progId="Equation.3">
                   <p:embed/>
                 </p:oleObj>
               </mc:Choice>
@@ -33091,7 +33091,7 @@
           <a:graphicData uri="http://schemas.openxmlformats.org/presentationml/2006/ole">
             <mc:AlternateContent xmlns:mc="http://schemas.openxmlformats.org/markup-compatibility/2006">
               <mc:Choice xmlns:v="urn:schemas-microsoft-com:vml" Requires="v">
-                <p:oleObj spid="_x0000_s14340" name="公式" r:id="rId7" imgW="1409400" imgH="444240" progId="Equation.3">
+                <p:oleObj spid="_x0000_s14347" name="公式" r:id="rId7" imgW="1409400" imgH="444240" progId="Equation.3">
                   <p:embed/>
                 </p:oleObj>
               </mc:Choice>
@@ -33184,7 +33184,7 @@
           <a:graphicData uri="http://schemas.openxmlformats.org/presentationml/2006/ole">
             <mc:AlternateContent xmlns:mc="http://schemas.openxmlformats.org/markup-compatibility/2006">
               <mc:Choice xmlns:v="urn:schemas-microsoft-com:vml" Requires="v">
-                <p:oleObj spid="_x0000_s14341" name="公式" r:id="rId9" imgW="1612800" imgH="419040" progId="Equation.3">
+                <p:oleObj spid="_x0000_s14348" name="公式" r:id="rId9" imgW="1612800" imgH="419040" progId="Equation.3">
                   <p:embed/>
                 </p:oleObj>
               </mc:Choice>
@@ -33277,7 +33277,7 @@
           <a:graphicData uri="http://schemas.openxmlformats.org/presentationml/2006/ole">
             <mc:AlternateContent xmlns:mc="http://schemas.openxmlformats.org/markup-compatibility/2006">
               <mc:Choice xmlns:v="urn:schemas-microsoft-com:vml" Requires="v">
-                <p:oleObj spid="_x0000_s14342" name="公式" r:id="rId11" imgW="723600" imgH="419040" progId="Equation.3">
+                <p:oleObj spid="_x0000_s14349" name="公式" r:id="rId11" imgW="723600" imgH="419040" progId="Equation.3">
                   <p:embed/>
                 </p:oleObj>
               </mc:Choice>
@@ -33370,7 +33370,7 @@
           <a:graphicData uri="http://schemas.openxmlformats.org/presentationml/2006/ole">
             <mc:AlternateContent xmlns:mc="http://schemas.openxmlformats.org/markup-compatibility/2006">
               <mc:Choice xmlns:v="urn:schemas-microsoft-com:vml" Requires="v">
-                <p:oleObj spid="_x0000_s14343" name="公式" r:id="rId13" imgW="672840" imgH="393480" progId="Equation.3">
+                <p:oleObj spid="_x0000_s14350" name="公式" r:id="rId13" imgW="672840" imgH="393480" progId="Equation.3">
                   <p:embed/>
                 </p:oleObj>
               </mc:Choice>
@@ -33463,7 +33463,7 @@
           <a:graphicData uri="http://schemas.openxmlformats.org/presentationml/2006/ole">
             <mc:AlternateContent xmlns:mc="http://schemas.openxmlformats.org/markup-compatibility/2006">
               <mc:Choice xmlns:v="urn:schemas-microsoft-com:vml" Requires="v">
-                <p:oleObj spid="_x0000_s14344" name="公式" r:id="rId15" imgW="3225600" imgH="393480" progId="Equation.3">
+                <p:oleObj spid="_x0000_s14351" name="公式" r:id="rId15" imgW="3225600" imgH="393480" progId="Equation.3">
                   <p:embed/>
                 </p:oleObj>
               </mc:Choice>
@@ -43530,8 +43530,8 @@
           </p:sp>
         </mc:Fallback>
       </mc:AlternateContent>
-      <mc:AlternateContent xmlns:mc="http://schemas.openxmlformats.org/markup-compatibility/2006" xmlns:a14="http://schemas.microsoft.com/office/drawing/2010/main">
-        <mc:Choice Requires="a14">
+      <mc:AlternateContent xmlns:mc="http://schemas.openxmlformats.org/markup-compatibility/2006">
+        <mc:Choice xmlns:a14="http://schemas.microsoft.com/office/drawing/2010/main" Requires="a14">
           <p:sp>
             <p:nvSpPr>
               <p:cNvPr id="3" name="文本框 2"/>
@@ -43712,28 +43712,22 @@
                 <a14:m>
                   <m:oMath xmlns:m="http://schemas.openxmlformats.org/officeDocument/2006/math">
                     <m:r>
-                      <a:rPr lang="en-US" altLang="zh-CN" b="0" i="1" smtClean="0">
-                        <a:latin typeface="Cambria Math" panose="02040503050406030204" pitchFamily="18" charset="0"/>
-                      </a:rPr>
-                      <m:t>0&lt;</m:t>
-                    </m:r>
-                    <m:r>
                       <a:rPr lang="zh-CN" altLang="en-US" b="0" i="1" smtClean="0">
                         <a:latin typeface="Cambria Math" panose="02040503050406030204" pitchFamily="18" charset="0"/>
                       </a:rPr>
                       <m:t>𝜀</m:t>
                     </m:r>
                     <m:r>
-                      <a:rPr lang="en-US" altLang="zh-CN" b="0" i="1" smtClean="0">
+                      <a:rPr lang="en-US" altLang="zh-CN" i="1">
                         <a:latin typeface="Cambria Math" panose="02040503050406030204" pitchFamily="18" charset="0"/>
                       </a:rPr>
-                      <m:t>&lt;</m:t>
+                      <m:t>&gt;</m:t>
                     </m:r>
                     <m:r>
                       <a:rPr lang="en-US" altLang="zh-CN" b="0" i="1" smtClean="0">
                         <a:latin typeface="Cambria Math" panose="02040503050406030204" pitchFamily="18" charset="0"/>
                       </a:rPr>
-                      <m:t>𝑐</m:t>
+                      <m:t>0</m:t>
                     </m:r>
                   </m:oMath>
                 </a14:m>
@@ -43781,7 +43775,7 @@
             </p:txBody>
           </p:sp>
         </mc:Choice>
-        <mc:Fallback xmlns="">
+        <mc:Fallback>
           <p:sp>
             <p:nvSpPr>
               <p:cNvPr id="3" name="文本框 2"/>
@@ -43798,7 +43792,7 @@
               <a:prstGeom prst="rect">
                 <a:avLst/>
               </a:prstGeom>
-              <a:blipFill rotWithShape="0">
+              <a:blipFill>
                 <a:blip r:embed="rId3"/>
                 <a:stretch>
                   <a:fillRect l="-837" b="-4688"/>

--- a/教案/第2章 算法复杂性.pptx
+++ b/教案/第2章 算法复杂性.pptx
@@ -5,10 +5,10 @@
     <p:sldMasterId id="2147483677" r:id="rId1"/>
   </p:sldMasterIdLst>
   <p:notesMasterIdLst>
-    <p:notesMasterId r:id="rId45"/>
+    <p:notesMasterId r:id="rId47"/>
   </p:notesMasterIdLst>
   <p:handoutMasterIdLst>
-    <p:handoutMasterId r:id="rId46"/>
+    <p:handoutMasterId r:id="rId48"/>
   </p:handoutMasterIdLst>
   <p:sldIdLst>
     <p:sldId id="256" r:id="rId2"/>
@@ -46,14 +46,16 @@
     <p:sldId id="295" r:id="rId34"/>
     <p:sldId id="296" r:id="rId35"/>
     <p:sldId id="297" r:id="rId36"/>
-    <p:sldId id="305" r:id="rId37"/>
-    <p:sldId id="298" r:id="rId38"/>
-    <p:sldId id="299" r:id="rId39"/>
-    <p:sldId id="300" r:id="rId40"/>
-    <p:sldId id="301" r:id="rId41"/>
-    <p:sldId id="302" r:id="rId42"/>
-    <p:sldId id="303" r:id="rId43"/>
-    <p:sldId id="304" r:id="rId44"/>
+    <p:sldId id="306" r:id="rId37"/>
+    <p:sldId id="307" r:id="rId38"/>
+    <p:sldId id="305" r:id="rId39"/>
+    <p:sldId id="298" r:id="rId40"/>
+    <p:sldId id="299" r:id="rId41"/>
+    <p:sldId id="300" r:id="rId42"/>
+    <p:sldId id="301" r:id="rId43"/>
+    <p:sldId id="302" r:id="rId44"/>
+    <p:sldId id="303" r:id="rId45"/>
+    <p:sldId id="304" r:id="rId46"/>
   </p:sldIdLst>
   <p:sldSz cx="9144000" cy="6858000" type="screen4x3"/>
   <p:notesSz cx="6858000" cy="9144000"/>
@@ -499,7 +501,7 @@
           <a:p>
             <a:fld id="{3C249396-9850-4D62-835A-F588A34C1131}" type="datetimeFigureOut">
               <a:rPr lang="zh-CN" altLang="en-US" smtClean="0"/>
-              <a:t>2019/5/28</a:t>
+              <a:t>2021/5/20</a:t>
             </a:fld>
             <a:endParaRPr lang="zh-CN" altLang="en-US"/>
           </a:p>
@@ -664,7 +666,7 @@
           <a:p>
             <a:fld id="{EB534F2D-D915-493E-AA1D-AF28106B5836}" type="datetimeFigureOut">
               <a:rPr lang="zh-CN" altLang="en-US" smtClean="0"/>
-              <a:t>2019/5/28</a:t>
+              <a:t>2021/5/20</a:t>
             </a:fld>
             <a:endParaRPr lang="zh-CN" altLang="en-US"/>
           </a:p>
@@ -1100,7 +1102,7 @@
           <a:p>
             <a:fld id="{17D3AAD9-88A7-470F-95F8-4845B281D115}" type="slidenum">
               <a:rPr lang="zh-CN" altLang="en-US" smtClean="0"/>
-              <a:t>43</a:t>
+              <a:t>45</a:t>
             </a:fld>
             <a:endParaRPr lang="zh-CN" altLang="en-US"/>
           </a:p>
@@ -1799,7 +1801,7 @@
           <a:p>
             <a:fld id="{17D3AAD9-88A7-470F-95F8-4845B281D115}" type="slidenum">
               <a:rPr lang="zh-CN" altLang="en-US" smtClean="0"/>
-              <a:t>40</a:t>
+              <a:t>42</a:t>
             </a:fld>
             <a:endParaRPr lang="zh-CN" altLang="en-US"/>
           </a:p>
@@ -2006,7 +2008,7 @@
           <a:p>
             <a:fld id="{8C53946E-E76F-439C-ADA2-2ABD83101984}" type="datetimeFigureOut">
               <a:rPr lang="zh-CN" altLang="en-US" smtClean="0"/>
-              <a:t>2019/5/28</a:t>
+              <a:t>2021/5/20</a:t>
             </a:fld>
             <a:endParaRPr lang="zh-CN" altLang="en-US"/>
           </a:p>
@@ -2338,7 +2340,7 @@
           <a:p>
             <a:fld id="{8C53946E-E76F-439C-ADA2-2ABD83101984}" type="datetimeFigureOut">
               <a:rPr lang="zh-CN" altLang="en-US" smtClean="0"/>
-              <a:t>2019/5/28</a:t>
+              <a:t>2021/5/20</a:t>
             </a:fld>
             <a:endParaRPr lang="zh-CN" altLang="en-US"/>
           </a:p>
@@ -2737,7 +2739,7 @@
           <a:p>
             <a:fld id="{8C53946E-E76F-439C-ADA2-2ABD83101984}" type="datetimeFigureOut">
               <a:rPr lang="zh-CN" altLang="en-US" smtClean="0"/>
-              <a:t>2019/5/28</a:t>
+              <a:t>2021/5/20</a:t>
             </a:fld>
             <a:endParaRPr lang="zh-CN" altLang="en-US"/>
           </a:p>
@@ -3071,7 +3073,7 @@
           <a:p>
             <a:fld id="{8C53946E-E76F-439C-ADA2-2ABD83101984}" type="datetimeFigureOut">
               <a:rPr lang="zh-CN" altLang="en-US" smtClean="0"/>
-              <a:t>2019/5/28</a:t>
+              <a:t>2021/5/20</a:t>
             </a:fld>
             <a:endParaRPr lang="zh-CN" altLang="en-US"/>
           </a:p>
@@ -3389,7 +3391,7 @@
           <a:p>
             <a:fld id="{8C53946E-E76F-439C-ADA2-2ABD83101984}" type="datetimeFigureOut">
               <a:rPr lang="zh-CN" altLang="en-US" smtClean="0"/>
-              <a:t>2019/5/28</a:t>
+              <a:t>2021/5/20</a:t>
             </a:fld>
             <a:endParaRPr lang="zh-CN" altLang="en-US"/>
           </a:p>
@@ -3783,7 +3785,7 @@
           <a:p>
             <a:fld id="{8C53946E-E76F-439C-ADA2-2ABD83101984}" type="datetimeFigureOut">
               <a:rPr lang="zh-CN" altLang="en-US" smtClean="0"/>
-              <a:t>2019/5/28</a:t>
+              <a:t>2021/5/20</a:t>
             </a:fld>
             <a:endParaRPr lang="zh-CN" altLang="en-US"/>
           </a:p>
@@ -4038,7 +4040,7 @@
           <a:p>
             <a:fld id="{8C53946E-E76F-439C-ADA2-2ABD83101984}" type="datetimeFigureOut">
               <a:rPr lang="zh-CN" altLang="en-US" smtClean="0"/>
-              <a:t>2019/5/28</a:t>
+              <a:t>2021/5/20</a:t>
             </a:fld>
             <a:endParaRPr lang="zh-CN" altLang="en-US"/>
           </a:p>
@@ -4298,7 +4300,7 @@
           <a:p>
             <a:fld id="{8C53946E-E76F-439C-ADA2-2ABD83101984}" type="datetimeFigureOut">
               <a:rPr lang="zh-CN" altLang="en-US" smtClean="0"/>
-              <a:t>2019/5/28</a:t>
+              <a:t>2021/5/20</a:t>
             </a:fld>
             <a:endParaRPr lang="zh-CN" altLang="en-US"/>
           </a:p>
@@ -4589,7 +4591,7 @@
           <a:p>
             <a:fld id="{8C53946E-E76F-439C-ADA2-2ABD83101984}" type="datetimeFigureOut">
               <a:rPr lang="zh-CN" altLang="en-US" smtClean="0"/>
-              <a:t>2019/5/28</a:t>
+              <a:t>2021/5/20</a:t>
             </a:fld>
             <a:endParaRPr lang="zh-CN" altLang="en-US"/>
           </a:p>
@@ -4916,7 +4918,7 @@
           <a:p>
             <a:fld id="{8C53946E-E76F-439C-ADA2-2ABD83101984}" type="datetimeFigureOut">
               <a:rPr lang="zh-CN" altLang="en-US" smtClean="0"/>
-              <a:t>2019/5/28</a:t>
+              <a:t>2021/5/20</a:t>
             </a:fld>
             <a:endParaRPr lang="zh-CN" altLang="en-US"/>
           </a:p>
@@ -5237,7 +5239,7 @@
           <a:p>
             <a:fld id="{8C53946E-E76F-439C-ADA2-2ABD83101984}" type="datetimeFigureOut">
               <a:rPr lang="zh-CN" altLang="en-US" smtClean="0"/>
-              <a:t>2019/5/28</a:t>
+              <a:t>2021/5/20</a:t>
             </a:fld>
             <a:endParaRPr lang="zh-CN" altLang="en-US"/>
           </a:p>
@@ -5692,7 +5694,7 @@
           <a:p>
             <a:fld id="{8C53946E-E76F-439C-ADA2-2ABD83101984}" type="datetimeFigureOut">
               <a:rPr lang="zh-CN" altLang="en-US" smtClean="0"/>
-              <a:t>2019/5/28</a:t>
+              <a:t>2021/5/20</a:t>
             </a:fld>
             <a:endParaRPr lang="zh-CN" altLang="en-US"/>
           </a:p>
@@ -5900,7 +5902,7 @@
           <a:p>
             <a:fld id="{8C53946E-E76F-439C-ADA2-2ABD83101984}" type="datetimeFigureOut">
               <a:rPr lang="zh-CN" altLang="en-US" smtClean="0"/>
-              <a:t>2019/5/28</a:t>
+              <a:t>2021/5/20</a:t>
             </a:fld>
             <a:endParaRPr lang="zh-CN" altLang="en-US"/>
           </a:p>
@@ -6075,7 +6077,7 @@
           <a:p>
             <a:fld id="{8C53946E-E76F-439C-ADA2-2ABD83101984}" type="datetimeFigureOut">
               <a:rPr lang="zh-CN" altLang="en-US" smtClean="0"/>
-              <a:t>2019/5/28</a:t>
+              <a:t>2021/5/20</a:t>
             </a:fld>
             <a:endParaRPr lang="zh-CN" altLang="en-US"/>
           </a:p>
@@ -6406,7 +6408,7 @@
           <a:p>
             <a:fld id="{8C53946E-E76F-439C-ADA2-2ABD83101984}" type="datetimeFigureOut">
               <a:rPr lang="zh-CN" altLang="en-US" smtClean="0"/>
-              <a:t>2019/5/28</a:t>
+              <a:t>2021/5/20</a:t>
             </a:fld>
             <a:endParaRPr lang="zh-CN" altLang="en-US"/>
           </a:p>
@@ -6749,7 +6751,7 @@
           <a:p>
             <a:fld id="{8C53946E-E76F-439C-ADA2-2ABD83101984}" type="datetimeFigureOut">
               <a:rPr lang="zh-CN" altLang="en-US" smtClean="0"/>
-              <a:t>2019/5/28</a:t>
+              <a:t>2021/5/20</a:t>
             </a:fld>
             <a:endParaRPr lang="zh-CN" altLang="en-US"/>
           </a:p>
@@ -8864,7 +8866,7 @@
           <a:p>
             <a:fld id="{8C53946E-E76F-439C-ADA2-2ABD83101984}" type="datetimeFigureOut">
               <a:rPr lang="zh-CN" altLang="en-US" smtClean="0"/>
-              <a:t>2019/5/28</a:t>
+              <a:t>2021/5/20</a:t>
             </a:fld>
             <a:endParaRPr lang="zh-CN" altLang="en-US"/>
           </a:p>
@@ -16271,12 +16273,12 @@
           <a:graphicData uri="http://schemas.openxmlformats.org/presentationml/2006/ole">
             <mc:AlternateContent xmlns:mc="http://schemas.openxmlformats.org/markup-compatibility/2006">
               <mc:Choice xmlns:v="urn:schemas-microsoft-com:vml" Requires="v">
-                <p:oleObj spid="_x0000_s1027" name="公式" r:id="rId3" imgW="1650960" imgH="457200" progId="Equation.3">
+                <p:oleObj name="公式" r:id="rId2" imgW="1650960" imgH="457200" progId="Equation.3">
                   <p:embed/>
                 </p:oleObj>
               </mc:Choice>
               <mc:Fallback>
-                <p:oleObj name="公式" r:id="rId3" imgW="1650960" imgH="457200" progId="Equation.3">
+                <p:oleObj name="公式" r:id="rId2" imgW="1650960" imgH="457200" progId="Equation.3">
                   <p:embed/>
                   <p:pic>
                     <p:nvPicPr>
@@ -16287,7 +16289,7 @@
                       <p:nvPr/>
                     </p:nvPicPr>
                     <p:blipFill>
-                      <a:blip r:embed="rId4">
+                      <a:blip r:embed="rId3">
                         <a:extLst>
                           <a:ext uri="{28A0092B-C50C-407E-A947-70E740481C1C}">
                             <a14:useLocalDpi xmlns:a14="http://schemas.microsoft.com/office/drawing/2010/main" val="0"/>
@@ -16719,12 +16721,12 @@
           <a:graphicData uri="http://schemas.openxmlformats.org/presentationml/2006/ole">
             <mc:AlternateContent xmlns:mc="http://schemas.openxmlformats.org/markup-compatibility/2006">
               <mc:Choice xmlns:v="urn:schemas-microsoft-com:vml" Requires="v">
-                <p:oleObj spid="_x0000_s2051" name="公式" r:id="rId3" imgW="1752480" imgH="457200" progId="Equation.3">
+                <p:oleObj name="公式" r:id="rId2" imgW="1752480" imgH="457200" progId="Equation.3">
                   <p:embed/>
                 </p:oleObj>
               </mc:Choice>
               <mc:Fallback>
-                <p:oleObj name="公式" r:id="rId3" imgW="1752480" imgH="457200" progId="Equation.3">
+                <p:oleObj name="公式" r:id="rId2" imgW="1752480" imgH="457200" progId="Equation.3">
                   <p:embed/>
                   <p:pic>
                     <p:nvPicPr>
@@ -16735,7 +16737,7 @@
                       <p:nvPr/>
                     </p:nvPicPr>
                     <p:blipFill>
-                      <a:blip r:embed="rId4">
+                      <a:blip r:embed="rId3">
                         <a:extLst>
                           <a:ext uri="{28A0092B-C50C-407E-A947-70E740481C1C}">
                             <a14:useLocalDpi xmlns:a14="http://schemas.microsoft.com/office/drawing/2010/main" val="0"/>
@@ -17160,12 +17162,12 @@
           <a:graphicData uri="http://schemas.openxmlformats.org/presentationml/2006/ole">
             <mc:AlternateContent xmlns:mc="http://schemas.openxmlformats.org/markup-compatibility/2006">
               <mc:Choice xmlns:v="urn:schemas-microsoft-com:vml" Requires="v">
-                <p:oleObj spid="_x0000_s3075" name="公式" r:id="rId3" imgW="1726920" imgH="457200" progId="Equation.3">
+                <p:oleObj name="公式" r:id="rId2" imgW="1726920" imgH="457200" progId="Equation.3">
                   <p:embed/>
                 </p:oleObj>
               </mc:Choice>
               <mc:Fallback>
-                <p:oleObj name="公式" r:id="rId3" imgW="1726920" imgH="457200" progId="Equation.3">
+                <p:oleObj name="公式" r:id="rId2" imgW="1726920" imgH="457200" progId="Equation.3">
                   <p:embed/>
                   <p:pic>
                     <p:nvPicPr>
@@ -17176,7 +17178,7 @@
                       <p:nvPr/>
                     </p:nvPicPr>
                     <p:blipFill>
-                      <a:blip r:embed="rId4">
+                      <a:blip r:embed="rId3">
                         <a:extLst>
                           <a:ext uri="{28A0092B-C50C-407E-A947-70E740481C1C}">
                             <a14:useLocalDpi xmlns:a14="http://schemas.microsoft.com/office/drawing/2010/main" val="0"/>
@@ -18700,12 +18702,12 @@
           <a:graphicData uri="http://schemas.openxmlformats.org/presentationml/2006/ole">
             <mc:AlternateContent xmlns:mc="http://schemas.openxmlformats.org/markup-compatibility/2006">
               <mc:Choice xmlns:v="urn:schemas-microsoft-com:vml" Requires="v">
-                <p:oleObj spid="_x0000_s4100" name="公式" r:id="rId3" imgW="2387520" imgH="457200" progId="Equation.3">
+                <p:oleObj name="公式" r:id="rId2" imgW="2387520" imgH="457200" progId="Equation.3">
                   <p:embed/>
                 </p:oleObj>
               </mc:Choice>
               <mc:Fallback>
-                <p:oleObj name="公式" r:id="rId3" imgW="2387520" imgH="457200" progId="Equation.3">
+                <p:oleObj name="公式" r:id="rId2" imgW="2387520" imgH="457200" progId="Equation.3">
                   <p:embed/>
                   <p:pic>
                     <p:nvPicPr>
@@ -18716,7 +18718,7 @@
                       <p:nvPr/>
                     </p:nvPicPr>
                     <p:blipFill>
-                      <a:blip r:embed="rId4">
+                      <a:blip r:embed="rId3">
                         <a:extLst>
                           <a:ext uri="{28A0092B-C50C-407E-A947-70E740481C1C}">
                             <a14:useLocalDpi xmlns:a14="http://schemas.microsoft.com/office/drawing/2010/main" val="0"/>
@@ -18928,12 +18930,12 @@
           <a:graphicData uri="http://schemas.openxmlformats.org/presentationml/2006/ole">
             <mc:AlternateContent xmlns:mc="http://schemas.openxmlformats.org/markup-compatibility/2006">
               <mc:Choice xmlns:v="urn:schemas-microsoft-com:vml" Requires="v">
-                <p:oleObj spid="_x0000_s4101" name="公式" r:id="rId5" imgW="1218960" imgH="431640" progId="Equation.3">
+                <p:oleObj name="公式" r:id="rId4" imgW="1218960" imgH="431640" progId="Equation.3">
                   <p:embed/>
                 </p:oleObj>
               </mc:Choice>
               <mc:Fallback>
-                <p:oleObj name="公式" r:id="rId5" imgW="1218960" imgH="431640" progId="Equation.3">
+                <p:oleObj name="公式" r:id="rId4" imgW="1218960" imgH="431640" progId="Equation.3">
                   <p:embed/>
                   <p:pic>
                     <p:nvPicPr>
@@ -18944,7 +18946,7 @@
                       <p:nvPr/>
                     </p:nvPicPr>
                     <p:blipFill>
-                      <a:blip r:embed="rId6">
+                      <a:blip r:embed="rId5">
                         <a:extLst>
                           <a:ext uri="{28A0092B-C50C-407E-A947-70E740481C1C}">
                             <a14:useLocalDpi xmlns:a14="http://schemas.microsoft.com/office/drawing/2010/main" val="0"/>
@@ -19229,12 +19231,12 @@
           <a:graphicData uri="http://schemas.openxmlformats.org/presentationml/2006/ole">
             <mc:AlternateContent xmlns:mc="http://schemas.openxmlformats.org/markup-compatibility/2006">
               <mc:Choice xmlns:v="urn:schemas-microsoft-com:vml" Requires="v">
-                <p:oleObj spid="_x0000_s5131" name="公式" r:id="rId3" imgW="1218960" imgH="431640" progId="Equation.3">
+                <p:oleObj name="公式" r:id="rId2" imgW="1218960" imgH="431640" progId="Equation.3">
                   <p:embed/>
                 </p:oleObj>
               </mc:Choice>
               <mc:Fallback>
-                <p:oleObj name="公式" r:id="rId3" imgW="1218960" imgH="431640" progId="Equation.3">
+                <p:oleObj name="公式" r:id="rId2" imgW="1218960" imgH="431640" progId="Equation.3">
                   <p:embed/>
                   <p:pic>
                     <p:nvPicPr>
@@ -19245,7 +19247,7 @@
                       <p:nvPr/>
                     </p:nvPicPr>
                     <p:blipFill>
-                      <a:blip r:embed="rId4">
+                      <a:blip r:embed="rId3">
                         <a:extLst>
                           <a:ext uri="{28A0092B-C50C-407E-A947-70E740481C1C}">
                             <a14:useLocalDpi xmlns:a14="http://schemas.microsoft.com/office/drawing/2010/main" val="0"/>
@@ -19328,12 +19330,12 @@
           <a:graphicData uri="http://schemas.openxmlformats.org/presentationml/2006/ole">
             <mc:AlternateContent xmlns:mc="http://schemas.openxmlformats.org/markup-compatibility/2006">
               <mc:Choice xmlns:v="urn:schemas-microsoft-com:vml" Requires="v">
-                <p:oleObj spid="_x0000_s5132" name="公式" r:id="rId5" imgW="787320" imgH="431640" progId="Equation.3">
+                <p:oleObj name="公式" r:id="rId4" imgW="787320" imgH="431640" progId="Equation.3">
                   <p:embed/>
                 </p:oleObj>
               </mc:Choice>
               <mc:Fallback>
-                <p:oleObj name="公式" r:id="rId5" imgW="787320" imgH="431640" progId="Equation.3">
+                <p:oleObj name="公式" r:id="rId4" imgW="787320" imgH="431640" progId="Equation.3">
                   <p:embed/>
                   <p:pic>
                     <p:nvPicPr>
@@ -19344,7 +19346,7 @@
                       <p:nvPr/>
                     </p:nvPicPr>
                     <p:blipFill>
-                      <a:blip r:embed="rId6">
+                      <a:blip r:embed="rId5">
                         <a:extLst>
                           <a:ext uri="{28A0092B-C50C-407E-A947-70E740481C1C}">
                             <a14:useLocalDpi xmlns:a14="http://schemas.microsoft.com/office/drawing/2010/main" val="0"/>
@@ -19427,12 +19429,12 @@
           <a:graphicData uri="http://schemas.openxmlformats.org/presentationml/2006/ole">
             <mc:AlternateContent xmlns:mc="http://schemas.openxmlformats.org/markup-compatibility/2006">
               <mc:Choice xmlns:v="urn:schemas-microsoft-com:vml" Requires="v">
-                <p:oleObj spid="_x0000_s5133" name="公式" r:id="rId7" imgW="1917360" imgH="431640" progId="Equation.3">
+                <p:oleObj name="公式" r:id="rId6" imgW="1917360" imgH="431640" progId="Equation.3">
                   <p:embed/>
                 </p:oleObj>
               </mc:Choice>
               <mc:Fallback>
-                <p:oleObj name="公式" r:id="rId7" imgW="1917360" imgH="431640" progId="Equation.3">
+                <p:oleObj name="公式" r:id="rId6" imgW="1917360" imgH="431640" progId="Equation.3">
                   <p:embed/>
                   <p:pic>
                     <p:nvPicPr>
@@ -19443,7 +19445,7 @@
                       <p:nvPr/>
                     </p:nvPicPr>
                     <p:blipFill>
-                      <a:blip r:embed="rId8">
+                      <a:blip r:embed="rId7">
                         <a:extLst>
                           <a:ext uri="{28A0092B-C50C-407E-A947-70E740481C1C}">
                             <a14:useLocalDpi xmlns:a14="http://schemas.microsoft.com/office/drawing/2010/main" val="0"/>
@@ -19526,12 +19528,12 @@
           <a:graphicData uri="http://schemas.openxmlformats.org/presentationml/2006/ole">
             <mc:AlternateContent xmlns:mc="http://schemas.openxmlformats.org/markup-compatibility/2006">
               <mc:Choice xmlns:v="urn:schemas-microsoft-com:vml" Requires="v">
-                <p:oleObj spid="_x0000_s5134" name="公式" r:id="rId9" imgW="1346040" imgH="431640" progId="Equation.3">
+                <p:oleObj name="公式" r:id="rId8" imgW="1346040" imgH="431640" progId="Equation.3">
                   <p:embed/>
                 </p:oleObj>
               </mc:Choice>
               <mc:Fallback>
-                <p:oleObj name="公式" r:id="rId9" imgW="1346040" imgH="431640" progId="Equation.3">
+                <p:oleObj name="公式" r:id="rId8" imgW="1346040" imgH="431640" progId="Equation.3">
                   <p:embed/>
                   <p:pic>
                     <p:nvPicPr>
@@ -19542,7 +19544,7 @@
                       <p:nvPr/>
                     </p:nvPicPr>
                     <p:blipFill>
-                      <a:blip r:embed="rId10">
+                      <a:blip r:embed="rId9">
                         <a:extLst>
                           <a:ext uri="{28A0092B-C50C-407E-A947-70E740481C1C}">
                             <a14:useLocalDpi xmlns:a14="http://schemas.microsoft.com/office/drawing/2010/main" val="0"/>
@@ -19625,12 +19627,12 @@
           <a:graphicData uri="http://schemas.openxmlformats.org/presentationml/2006/ole">
             <mc:AlternateContent xmlns:mc="http://schemas.openxmlformats.org/markup-compatibility/2006">
               <mc:Choice xmlns:v="urn:schemas-microsoft-com:vml" Requires="v">
-                <p:oleObj spid="_x0000_s5135" name="公式" r:id="rId11" imgW="2006280" imgH="431640" progId="Equation.3">
+                <p:oleObj name="公式" r:id="rId10" imgW="2006280" imgH="431640" progId="Equation.3">
                   <p:embed/>
                 </p:oleObj>
               </mc:Choice>
               <mc:Fallback>
-                <p:oleObj name="公式" r:id="rId11" imgW="2006280" imgH="431640" progId="Equation.3">
+                <p:oleObj name="公式" r:id="rId10" imgW="2006280" imgH="431640" progId="Equation.3">
                   <p:embed/>
                   <p:pic>
                     <p:nvPicPr>
@@ -19641,7 +19643,7 @@
                       <p:nvPr/>
                     </p:nvPicPr>
                     <p:blipFill>
-                      <a:blip r:embed="rId12">
+                      <a:blip r:embed="rId11">
                         <a:extLst>
                           <a:ext uri="{28A0092B-C50C-407E-A947-70E740481C1C}">
                             <a14:useLocalDpi xmlns:a14="http://schemas.microsoft.com/office/drawing/2010/main" val="0"/>
@@ -19724,12 +19726,12 @@
           <a:graphicData uri="http://schemas.openxmlformats.org/presentationml/2006/ole">
             <mc:AlternateContent xmlns:mc="http://schemas.openxmlformats.org/markup-compatibility/2006">
               <mc:Choice xmlns:v="urn:schemas-microsoft-com:vml" Requires="v">
-                <p:oleObj spid="_x0000_s5136" name="公式" r:id="rId13" imgW="2222280" imgH="444240" progId="Equation.3">
+                <p:oleObj name="公式" r:id="rId12" imgW="2222280" imgH="444240" progId="Equation.3">
                   <p:embed/>
                 </p:oleObj>
               </mc:Choice>
               <mc:Fallback>
-                <p:oleObj name="公式" r:id="rId13" imgW="2222280" imgH="444240" progId="Equation.3">
+                <p:oleObj name="公式" r:id="rId12" imgW="2222280" imgH="444240" progId="Equation.3">
                   <p:embed/>
                   <p:pic>
                     <p:nvPicPr>
@@ -19740,7 +19742,7 @@
                       <p:nvPr/>
                     </p:nvPicPr>
                     <p:blipFill>
-                      <a:blip r:embed="rId14">
+                      <a:blip r:embed="rId13">
                         <a:extLst>
                           <a:ext uri="{28A0092B-C50C-407E-A947-70E740481C1C}">
                             <a14:useLocalDpi xmlns:a14="http://schemas.microsoft.com/office/drawing/2010/main" val="0"/>
@@ -19823,12 +19825,12 @@
           <a:graphicData uri="http://schemas.openxmlformats.org/presentationml/2006/ole">
             <mc:AlternateContent xmlns:mc="http://schemas.openxmlformats.org/markup-compatibility/2006">
               <mc:Choice xmlns:v="urn:schemas-microsoft-com:vml" Requires="v">
-                <p:oleObj spid="_x0000_s5137" name="公式" r:id="rId15" imgW="1574640" imgH="444240" progId="Equation.3">
+                <p:oleObj name="公式" r:id="rId14" imgW="1574640" imgH="444240" progId="Equation.3">
                   <p:embed/>
                 </p:oleObj>
               </mc:Choice>
               <mc:Fallback>
-                <p:oleObj name="公式" r:id="rId15" imgW="1574640" imgH="444240" progId="Equation.3">
+                <p:oleObj name="公式" r:id="rId14" imgW="1574640" imgH="444240" progId="Equation.3">
                   <p:embed/>
                   <p:pic>
                     <p:nvPicPr>
@@ -19839,7 +19841,7 @@
                       <p:nvPr/>
                     </p:nvPicPr>
                     <p:blipFill>
-                      <a:blip r:embed="rId16">
+                      <a:blip r:embed="rId15">
                         <a:extLst>
                           <a:ext uri="{28A0092B-C50C-407E-A947-70E740481C1C}">
                             <a14:useLocalDpi xmlns:a14="http://schemas.microsoft.com/office/drawing/2010/main" val="0"/>
@@ -19922,12 +19924,12 @@
           <a:graphicData uri="http://schemas.openxmlformats.org/presentationml/2006/ole">
             <mc:AlternateContent xmlns:mc="http://schemas.openxmlformats.org/markup-compatibility/2006">
               <mc:Choice xmlns:v="urn:schemas-microsoft-com:vml" Requires="v">
-                <p:oleObj spid="_x0000_s5138" name="公式" r:id="rId17" imgW="3263760" imgH="419040" progId="Equation.3">
+                <p:oleObj name="公式" r:id="rId16" imgW="3263760" imgH="419040" progId="Equation.3">
                   <p:embed/>
                 </p:oleObj>
               </mc:Choice>
               <mc:Fallback>
-                <p:oleObj name="公式" r:id="rId17" imgW="3263760" imgH="419040" progId="Equation.3">
+                <p:oleObj name="公式" r:id="rId16" imgW="3263760" imgH="419040" progId="Equation.3">
                   <p:embed/>
                   <p:pic>
                     <p:nvPicPr>
@@ -19938,7 +19940,7 @@
                       <p:nvPr/>
                     </p:nvPicPr>
                     <p:blipFill>
-                      <a:blip r:embed="rId18">
+                      <a:blip r:embed="rId17">
                         <a:extLst>
                           <a:ext uri="{28A0092B-C50C-407E-A947-70E740481C1C}">
                             <a14:useLocalDpi xmlns:a14="http://schemas.microsoft.com/office/drawing/2010/main" val="0"/>
@@ -20021,12 +20023,12 @@
           <a:graphicData uri="http://schemas.openxmlformats.org/presentationml/2006/ole">
             <mc:AlternateContent xmlns:mc="http://schemas.openxmlformats.org/markup-compatibility/2006">
               <mc:Choice xmlns:v="urn:schemas-microsoft-com:vml" Requires="v">
-                <p:oleObj spid="_x0000_s5139" name="公式" r:id="rId19" imgW="1942920" imgH="393480" progId="Equation.3">
+                <p:oleObj name="公式" r:id="rId18" imgW="1942920" imgH="393480" progId="Equation.3">
                   <p:embed/>
                 </p:oleObj>
               </mc:Choice>
               <mc:Fallback>
-                <p:oleObj name="公式" r:id="rId19" imgW="1942920" imgH="393480" progId="Equation.3">
+                <p:oleObj name="公式" r:id="rId18" imgW="1942920" imgH="393480" progId="Equation.3">
                   <p:embed/>
                   <p:pic>
                     <p:nvPicPr>
@@ -20037,7 +20039,7 @@
                       <p:nvPr/>
                     </p:nvPicPr>
                     <p:blipFill>
-                      <a:blip r:embed="rId20">
+                      <a:blip r:embed="rId19">
                         <a:extLst>
                           <a:ext uri="{28A0092B-C50C-407E-A947-70E740481C1C}">
                             <a14:useLocalDpi xmlns:a14="http://schemas.microsoft.com/office/drawing/2010/main" val="0"/>
@@ -20602,7 +20604,6 @@
                 <a:tailEnd/>
               </a:ln>
               <a:effectLst/>
-              <a:extLst/>
             </p:spPr>
             <p:txBody>
               <a:bodyPr wrap="square" anchor="ctr">
@@ -21017,7 +21018,7 @@
           <a:graphicData uri="http://schemas.openxmlformats.org/presentationml/2006/ole">
             <mc:AlternateContent xmlns:mc="http://schemas.openxmlformats.org/markup-compatibility/2006">
               <mc:Choice xmlns:v="urn:schemas-microsoft-com:vml" Requires="v">
-                <p:oleObj spid="_x0000_s6151" name="公式" r:id="rId4" imgW="1942920" imgH="393480" progId="Equation.3">
+                <p:oleObj name="公式" r:id="rId4" imgW="1942920" imgH="393480" progId="Equation.3">
                   <p:embed/>
                 </p:oleObj>
               </mc:Choice>
@@ -21110,7 +21111,7 @@
           <a:graphicData uri="http://schemas.openxmlformats.org/presentationml/2006/ole">
             <mc:AlternateContent xmlns:mc="http://schemas.openxmlformats.org/markup-compatibility/2006">
               <mc:Choice xmlns:v="urn:schemas-microsoft-com:vml" Requires="v">
-                <p:oleObj spid="_x0000_s6152" name="公式" r:id="rId6" imgW="3390840" imgH="431640" progId="Equation.3">
+                <p:oleObj name="公式" r:id="rId6" imgW="3390840" imgH="431640" progId="Equation.3">
                   <p:embed/>
                 </p:oleObj>
               </mc:Choice>
@@ -21203,7 +21204,7 @@
           <a:graphicData uri="http://schemas.openxmlformats.org/presentationml/2006/ole">
             <mc:AlternateContent xmlns:mc="http://schemas.openxmlformats.org/markup-compatibility/2006">
               <mc:Choice xmlns:v="urn:schemas-microsoft-com:vml" Requires="v">
-                <p:oleObj spid="_x0000_s6153" name="公式" r:id="rId8" imgW="3035160" imgH="419040" progId="Equation.3">
+                <p:oleObj name="公式" r:id="rId8" imgW="3035160" imgH="419040" progId="Equation.3">
                   <p:embed/>
                 </p:oleObj>
               </mc:Choice>
@@ -21296,7 +21297,7 @@
           <a:graphicData uri="http://schemas.openxmlformats.org/presentationml/2006/ole">
             <mc:AlternateContent xmlns:mc="http://schemas.openxmlformats.org/markup-compatibility/2006">
               <mc:Choice xmlns:v="urn:schemas-microsoft-com:vml" Requires="v">
-                <p:oleObj spid="_x0000_s6154" name="公式" r:id="rId10" imgW="4495680" imgH="431640" progId="Equation.3">
+                <p:oleObj name="公式" r:id="rId10" imgW="4495680" imgH="431640" progId="Equation.3">
                   <p:embed/>
                 </p:oleObj>
               </mc:Choice>
@@ -21389,7 +21390,7 @@
           <a:graphicData uri="http://schemas.openxmlformats.org/presentationml/2006/ole">
             <mc:AlternateContent xmlns:mc="http://schemas.openxmlformats.org/markup-compatibility/2006">
               <mc:Choice xmlns:v="urn:schemas-microsoft-com:vml" Requires="v">
-                <p:oleObj spid="_x0000_s6155" name="公式" r:id="rId12" imgW="4444920" imgH="419040" progId="Equation.3">
+                <p:oleObj name="公式" r:id="rId12" imgW="4444920" imgH="419040" progId="Equation.3">
                   <p:embed/>
                 </p:oleObj>
               </mc:Choice>
@@ -23869,12 +23870,12 @@
           <a:graphicData uri="http://schemas.openxmlformats.org/presentationml/2006/ole">
             <mc:AlternateContent xmlns:mc="http://schemas.openxmlformats.org/markup-compatibility/2006">
               <mc:Choice xmlns:v="urn:schemas-microsoft-com:vml" Requires="v">
-                <p:oleObj spid="_x0000_s7172" name="公式" r:id="rId3" imgW="1968480" imgH="457200" progId="Equation.3">
+                <p:oleObj name="公式" r:id="rId2" imgW="1968480" imgH="457200" progId="Equation.3">
                   <p:embed/>
                 </p:oleObj>
               </mc:Choice>
               <mc:Fallback>
-                <p:oleObj name="公式" r:id="rId3" imgW="1968480" imgH="457200" progId="Equation.3">
+                <p:oleObj name="公式" r:id="rId2" imgW="1968480" imgH="457200" progId="Equation.3">
                   <p:embed/>
                   <p:pic>
                     <p:nvPicPr>
@@ -23885,7 +23886,7 @@
                       <p:nvPr/>
                     </p:nvPicPr>
                     <p:blipFill>
-                      <a:blip r:embed="rId4">
+                      <a:blip r:embed="rId3">
                         <a:extLst>
                           <a:ext uri="{28A0092B-C50C-407E-A947-70E740481C1C}">
                             <a14:useLocalDpi xmlns:a14="http://schemas.microsoft.com/office/drawing/2010/main" val="0"/>
@@ -23968,12 +23969,12 @@
           <a:graphicData uri="http://schemas.openxmlformats.org/presentationml/2006/ole">
             <mc:AlternateContent xmlns:mc="http://schemas.openxmlformats.org/markup-compatibility/2006">
               <mc:Choice xmlns:v="urn:schemas-microsoft-com:vml" Requires="v">
-                <p:oleObj spid="_x0000_s7173" name="公式" r:id="rId5" imgW="1917360" imgH="457200" progId="Equation.3">
+                <p:oleObj name="公式" r:id="rId4" imgW="1917360" imgH="457200" progId="Equation.3">
                   <p:embed/>
                 </p:oleObj>
               </mc:Choice>
               <mc:Fallback>
-                <p:oleObj name="公式" r:id="rId5" imgW="1917360" imgH="457200" progId="Equation.3">
+                <p:oleObj name="公式" r:id="rId4" imgW="1917360" imgH="457200" progId="Equation.3">
                   <p:embed/>
                   <p:pic>
                     <p:nvPicPr>
@@ -23984,7 +23985,7 @@
                       <p:nvPr/>
                     </p:nvPicPr>
                     <p:blipFill>
-                      <a:blip r:embed="rId6">
+                      <a:blip r:embed="rId5">
                         <a:extLst>
                           <a:ext uri="{28A0092B-C50C-407E-A947-70E740481C1C}">
                             <a14:useLocalDpi xmlns:a14="http://schemas.microsoft.com/office/drawing/2010/main" val="0"/>
@@ -24645,12 +24646,12 @@
           <a:graphicData uri="http://schemas.openxmlformats.org/presentationml/2006/ole">
             <mc:AlternateContent xmlns:mc="http://schemas.openxmlformats.org/markup-compatibility/2006">
               <mc:Choice xmlns:v="urn:schemas-microsoft-com:vml" Requires="v">
-                <p:oleObj spid="_x0000_s8202" name="公式" r:id="rId3" imgW="1307880" imgH="482400" progId="Equation.3">
+                <p:oleObj name="公式" r:id="rId2" imgW="1307880" imgH="482400" progId="Equation.3">
                   <p:embed/>
                 </p:oleObj>
               </mc:Choice>
               <mc:Fallback>
-                <p:oleObj name="公式" r:id="rId3" imgW="1307880" imgH="482400" progId="Equation.3">
+                <p:oleObj name="公式" r:id="rId2" imgW="1307880" imgH="482400" progId="Equation.3">
                   <p:embed/>
                   <p:pic>
                     <p:nvPicPr>
@@ -24661,7 +24662,7 @@
                       <p:nvPr/>
                     </p:nvPicPr>
                     <p:blipFill>
-                      <a:blip r:embed="rId4">
+                      <a:blip r:embed="rId3">
                         <a:extLst>
                           <a:ext uri="{28A0092B-C50C-407E-A947-70E740481C1C}">
                             <a14:useLocalDpi xmlns:a14="http://schemas.microsoft.com/office/drawing/2010/main" val="0"/>
@@ -24738,12 +24739,12 @@
           <a:graphicData uri="http://schemas.openxmlformats.org/presentationml/2006/ole">
             <mc:AlternateContent xmlns:mc="http://schemas.openxmlformats.org/markup-compatibility/2006">
               <mc:Choice xmlns:v="urn:schemas-microsoft-com:vml" Requires="v">
-                <p:oleObj spid="_x0000_s8203" name="公式" r:id="rId5" imgW="1447560" imgH="431640" progId="Equation.3">
+                <p:oleObj name="公式" r:id="rId4" imgW="1447560" imgH="431640" progId="Equation.3">
                   <p:embed/>
                 </p:oleObj>
               </mc:Choice>
               <mc:Fallback>
-                <p:oleObj name="公式" r:id="rId5" imgW="1447560" imgH="431640" progId="Equation.3">
+                <p:oleObj name="公式" r:id="rId4" imgW="1447560" imgH="431640" progId="Equation.3">
                   <p:embed/>
                   <p:pic>
                     <p:nvPicPr>
@@ -24754,7 +24755,7 @@
                       <p:nvPr/>
                     </p:nvPicPr>
                     <p:blipFill>
-                      <a:blip r:embed="rId6">
+                      <a:blip r:embed="rId5">
                         <a:extLst>
                           <a:ext uri="{28A0092B-C50C-407E-A947-70E740481C1C}">
                             <a14:useLocalDpi xmlns:a14="http://schemas.microsoft.com/office/drawing/2010/main" val="0"/>
@@ -24831,12 +24832,12 @@
           <a:graphicData uri="http://schemas.openxmlformats.org/presentationml/2006/ole">
             <mc:AlternateContent xmlns:mc="http://schemas.openxmlformats.org/markup-compatibility/2006">
               <mc:Choice xmlns:v="urn:schemas-microsoft-com:vml" Requires="v">
-                <p:oleObj spid="_x0000_s8204" name="公式" r:id="rId7" imgW="2590560" imgH="241200" progId="Equation.3">
+                <p:oleObj name="公式" r:id="rId6" imgW="2590560" imgH="241200" progId="Equation.3">
                   <p:embed/>
                 </p:oleObj>
               </mc:Choice>
               <mc:Fallback>
-                <p:oleObj name="公式" r:id="rId7" imgW="2590560" imgH="241200" progId="Equation.3">
+                <p:oleObj name="公式" r:id="rId6" imgW="2590560" imgH="241200" progId="Equation.3">
                   <p:embed/>
                   <p:pic>
                     <p:nvPicPr>
@@ -24847,7 +24848,7 @@
                       <p:nvPr/>
                     </p:nvPicPr>
                     <p:blipFill>
-                      <a:blip r:embed="rId8">
+                      <a:blip r:embed="rId7">
                         <a:extLst>
                           <a:ext uri="{28A0092B-C50C-407E-A947-70E740481C1C}">
                             <a14:useLocalDpi xmlns:a14="http://schemas.microsoft.com/office/drawing/2010/main" val="0"/>
@@ -24924,12 +24925,12 @@
           <a:graphicData uri="http://schemas.openxmlformats.org/presentationml/2006/ole">
             <mc:AlternateContent xmlns:mc="http://schemas.openxmlformats.org/markup-compatibility/2006">
               <mc:Choice xmlns:v="urn:schemas-microsoft-com:vml" Requires="v">
-                <p:oleObj spid="_x0000_s8205" name="公式" r:id="rId9" imgW="3009600" imgH="241200" progId="Equation.3">
+                <p:oleObj name="公式" r:id="rId8" imgW="3009600" imgH="241200" progId="Equation.3">
                   <p:embed/>
                 </p:oleObj>
               </mc:Choice>
               <mc:Fallback>
-                <p:oleObj name="公式" r:id="rId9" imgW="3009600" imgH="241200" progId="Equation.3">
+                <p:oleObj name="公式" r:id="rId8" imgW="3009600" imgH="241200" progId="Equation.3">
                   <p:embed/>
                   <p:pic>
                     <p:nvPicPr>
@@ -24940,7 +24941,7 @@
                       <p:nvPr/>
                     </p:nvPicPr>
                     <p:blipFill>
-                      <a:blip r:embed="rId10">
+                      <a:blip r:embed="rId9">
                         <a:extLst>
                           <a:ext uri="{28A0092B-C50C-407E-A947-70E740481C1C}">
                             <a14:useLocalDpi xmlns:a14="http://schemas.microsoft.com/office/drawing/2010/main" val="0"/>
@@ -25017,12 +25018,12 @@
           <a:graphicData uri="http://schemas.openxmlformats.org/presentationml/2006/ole">
             <mc:AlternateContent xmlns:mc="http://schemas.openxmlformats.org/markup-compatibility/2006">
               <mc:Choice xmlns:v="urn:schemas-microsoft-com:vml" Requires="v">
-                <p:oleObj spid="_x0000_s8206" name="公式" r:id="rId11" imgW="2286000" imgH="228600" progId="Equation.3">
+                <p:oleObj name="公式" r:id="rId10" imgW="2286000" imgH="228600" progId="Equation.3">
                   <p:embed/>
                 </p:oleObj>
               </mc:Choice>
               <mc:Fallback>
-                <p:oleObj name="公式" r:id="rId11" imgW="2286000" imgH="228600" progId="Equation.3">
+                <p:oleObj name="公式" r:id="rId10" imgW="2286000" imgH="228600" progId="Equation.3">
                   <p:embed/>
                   <p:pic>
                     <p:nvPicPr>
@@ -25033,7 +25034,7 @@
                       <p:nvPr/>
                     </p:nvPicPr>
                     <p:blipFill>
-                      <a:blip r:embed="rId12">
+                      <a:blip r:embed="rId11">
                         <a:extLst>
                           <a:ext uri="{28A0092B-C50C-407E-A947-70E740481C1C}">
                             <a14:useLocalDpi xmlns:a14="http://schemas.microsoft.com/office/drawing/2010/main" val="0"/>
@@ -25110,12 +25111,12 @@
           <a:graphicData uri="http://schemas.openxmlformats.org/presentationml/2006/ole">
             <mc:AlternateContent xmlns:mc="http://schemas.openxmlformats.org/markup-compatibility/2006">
               <mc:Choice xmlns:v="urn:schemas-microsoft-com:vml" Requires="v">
-                <p:oleObj spid="_x0000_s8207" name="公式" r:id="rId13" imgW="1904760" imgH="431640" progId="Equation.3">
+                <p:oleObj name="公式" r:id="rId12" imgW="1904760" imgH="431640" progId="Equation.3">
                   <p:embed/>
                 </p:oleObj>
               </mc:Choice>
               <mc:Fallback>
-                <p:oleObj name="公式" r:id="rId13" imgW="1904760" imgH="431640" progId="Equation.3">
+                <p:oleObj name="公式" r:id="rId12" imgW="1904760" imgH="431640" progId="Equation.3">
                   <p:embed/>
                   <p:pic>
                     <p:nvPicPr>
@@ -25126,7 +25127,7 @@
                       <p:nvPr/>
                     </p:nvPicPr>
                     <p:blipFill>
-                      <a:blip r:embed="rId14">
+                      <a:blip r:embed="rId13">
                         <a:extLst>
                           <a:ext uri="{28A0092B-C50C-407E-A947-70E740481C1C}">
                             <a14:useLocalDpi xmlns:a14="http://schemas.microsoft.com/office/drawing/2010/main" val="0"/>
@@ -25203,12 +25204,12 @@
           <a:graphicData uri="http://schemas.openxmlformats.org/presentationml/2006/ole">
             <mc:AlternateContent xmlns:mc="http://schemas.openxmlformats.org/markup-compatibility/2006">
               <mc:Choice xmlns:v="urn:schemas-microsoft-com:vml" Requires="v">
-                <p:oleObj spid="_x0000_s8208" name="公式" r:id="rId15" imgW="2120760" imgH="431640" progId="Equation.3">
+                <p:oleObj name="公式" r:id="rId14" imgW="2120760" imgH="431640" progId="Equation.3">
                   <p:embed/>
                 </p:oleObj>
               </mc:Choice>
               <mc:Fallback>
-                <p:oleObj name="公式" r:id="rId15" imgW="2120760" imgH="431640" progId="Equation.3">
+                <p:oleObj name="公式" r:id="rId14" imgW="2120760" imgH="431640" progId="Equation.3">
                   <p:embed/>
                   <p:pic>
                     <p:nvPicPr>
@@ -25219,7 +25220,7 @@
                       <p:nvPr/>
                     </p:nvPicPr>
                     <p:blipFill>
-                      <a:blip r:embed="rId16">
+                      <a:blip r:embed="rId15">
                         <a:extLst>
                           <a:ext uri="{28A0092B-C50C-407E-A947-70E740481C1C}">
                             <a14:useLocalDpi xmlns:a14="http://schemas.microsoft.com/office/drawing/2010/main" val="0"/>
@@ -25296,12 +25297,12 @@
           <a:graphicData uri="http://schemas.openxmlformats.org/presentationml/2006/ole">
             <mc:AlternateContent xmlns:mc="http://schemas.openxmlformats.org/markup-compatibility/2006">
               <mc:Choice xmlns:v="urn:schemas-microsoft-com:vml" Requires="v">
-                <p:oleObj spid="_x0000_s8209" name="公式" r:id="rId17" imgW="1409400" imgH="419040" progId="Equation.3">
+                <p:oleObj name="公式" r:id="rId16" imgW="1409400" imgH="419040" progId="Equation.3">
                   <p:embed/>
                 </p:oleObj>
               </mc:Choice>
               <mc:Fallback>
-                <p:oleObj name="公式" r:id="rId17" imgW="1409400" imgH="419040" progId="Equation.3">
+                <p:oleObj name="公式" r:id="rId16" imgW="1409400" imgH="419040" progId="Equation.3">
                   <p:embed/>
                   <p:pic>
                     <p:nvPicPr>
@@ -25312,7 +25313,7 @@
                       <p:nvPr/>
                     </p:nvPicPr>
                     <p:blipFill>
-                      <a:blip r:embed="rId18">
+                      <a:blip r:embed="rId17">
                         <a:extLst>
                           <a:ext uri="{28A0092B-C50C-407E-A947-70E740481C1C}">
                             <a14:useLocalDpi xmlns:a14="http://schemas.microsoft.com/office/drawing/2010/main" val="0"/>
@@ -25930,12 +25931,12 @@
           <a:graphicData uri="http://schemas.openxmlformats.org/presentationml/2006/ole">
             <mc:AlternateContent xmlns:mc="http://schemas.openxmlformats.org/markup-compatibility/2006">
               <mc:Choice xmlns:v="urn:schemas-microsoft-com:vml" Requires="v">
-                <p:oleObj spid="_x0000_s9223" name="公式" r:id="rId3" imgW="1282680" imgH="419040" progId="Equation.3">
+                <p:oleObj name="公式" r:id="rId2" imgW="1282680" imgH="419040" progId="Equation.3">
                   <p:embed/>
                 </p:oleObj>
               </mc:Choice>
               <mc:Fallback>
-                <p:oleObj name="公式" r:id="rId3" imgW="1282680" imgH="419040" progId="Equation.3">
+                <p:oleObj name="公式" r:id="rId2" imgW="1282680" imgH="419040" progId="Equation.3">
                   <p:embed/>
                   <p:pic>
                     <p:nvPicPr>
@@ -25946,7 +25947,7 @@
                       <p:nvPr/>
                     </p:nvPicPr>
                     <p:blipFill>
-                      <a:blip r:embed="rId4">
+                      <a:blip r:embed="rId3">
                         <a:extLst>
                           <a:ext uri="{28A0092B-C50C-407E-A947-70E740481C1C}">
                             <a14:useLocalDpi xmlns:a14="http://schemas.microsoft.com/office/drawing/2010/main" val="0"/>
@@ -26023,12 +26024,12 @@
           <a:graphicData uri="http://schemas.openxmlformats.org/presentationml/2006/ole">
             <mc:AlternateContent xmlns:mc="http://schemas.openxmlformats.org/markup-compatibility/2006">
               <mc:Choice xmlns:v="urn:schemas-microsoft-com:vml" Requires="v">
-                <p:oleObj spid="_x0000_s9224" name="公式" r:id="rId5" imgW="4190760" imgH="419040" progId="Equation.3">
+                <p:oleObj name="公式" r:id="rId4" imgW="4190760" imgH="419040" progId="Equation.3">
                   <p:embed/>
                 </p:oleObj>
               </mc:Choice>
               <mc:Fallback>
-                <p:oleObj name="公式" r:id="rId5" imgW="4190760" imgH="419040" progId="Equation.3">
+                <p:oleObj name="公式" r:id="rId4" imgW="4190760" imgH="419040" progId="Equation.3">
                   <p:embed/>
                   <p:pic>
                     <p:nvPicPr>
@@ -26039,7 +26040,7 @@
                       <p:nvPr/>
                     </p:nvPicPr>
                     <p:blipFill>
-                      <a:blip r:embed="rId6">
+                      <a:blip r:embed="rId5">
                         <a:extLst>
                           <a:ext uri="{28A0092B-C50C-407E-A947-70E740481C1C}">
                             <a14:useLocalDpi xmlns:a14="http://schemas.microsoft.com/office/drawing/2010/main" val="0"/>
@@ -26116,12 +26117,12 @@
           <a:graphicData uri="http://schemas.openxmlformats.org/presentationml/2006/ole">
             <mc:AlternateContent xmlns:mc="http://schemas.openxmlformats.org/markup-compatibility/2006">
               <mc:Choice xmlns:v="urn:schemas-microsoft-com:vml" Requires="v">
-                <p:oleObj spid="_x0000_s9225" name="公式" r:id="rId7" imgW="2286000" imgH="457200" progId="Equation.3">
+                <p:oleObj name="公式" r:id="rId6" imgW="2286000" imgH="457200" progId="Equation.3">
                   <p:embed/>
                 </p:oleObj>
               </mc:Choice>
               <mc:Fallback>
-                <p:oleObj name="公式" r:id="rId7" imgW="2286000" imgH="457200" progId="Equation.3">
+                <p:oleObj name="公式" r:id="rId6" imgW="2286000" imgH="457200" progId="Equation.3">
                   <p:embed/>
                   <p:pic>
                     <p:nvPicPr>
@@ -26132,7 +26133,7 @@
                       <p:nvPr/>
                     </p:nvPicPr>
                     <p:blipFill>
-                      <a:blip r:embed="rId8">
+                      <a:blip r:embed="rId7">
                         <a:extLst>
                           <a:ext uri="{28A0092B-C50C-407E-A947-70E740481C1C}">
                             <a14:useLocalDpi xmlns:a14="http://schemas.microsoft.com/office/drawing/2010/main" val="0"/>
@@ -26209,12 +26210,12 @@
           <a:graphicData uri="http://schemas.openxmlformats.org/presentationml/2006/ole">
             <mc:AlternateContent xmlns:mc="http://schemas.openxmlformats.org/markup-compatibility/2006">
               <mc:Choice xmlns:v="urn:schemas-microsoft-com:vml" Requires="v">
-                <p:oleObj spid="_x0000_s9226" name="公式" r:id="rId9" imgW="1371600" imgH="393480" progId="Equation.3">
+                <p:oleObj name="公式" r:id="rId8" imgW="1371600" imgH="393480" progId="Equation.3">
                   <p:embed/>
                 </p:oleObj>
               </mc:Choice>
               <mc:Fallback>
-                <p:oleObj name="公式" r:id="rId9" imgW="1371600" imgH="393480" progId="Equation.3">
+                <p:oleObj name="公式" r:id="rId8" imgW="1371600" imgH="393480" progId="Equation.3">
                   <p:embed/>
                   <p:pic>
                     <p:nvPicPr>
@@ -26225,7 +26226,7 @@
                       <p:nvPr/>
                     </p:nvPicPr>
                     <p:blipFill>
-                      <a:blip r:embed="rId10">
+                      <a:blip r:embed="rId9">
                         <a:extLst>
                           <a:ext uri="{28A0092B-C50C-407E-A947-70E740481C1C}">
                             <a14:useLocalDpi xmlns:a14="http://schemas.microsoft.com/office/drawing/2010/main" val="0"/>
@@ -26302,12 +26303,12 @@
           <a:graphicData uri="http://schemas.openxmlformats.org/presentationml/2006/ole">
             <mc:AlternateContent xmlns:mc="http://schemas.openxmlformats.org/markup-compatibility/2006">
               <mc:Choice xmlns:v="urn:schemas-microsoft-com:vml" Requires="v">
-                <p:oleObj spid="_x0000_s9227" name="公式" r:id="rId11" imgW="2044440" imgH="431640" progId="Equation.3">
+                <p:oleObj name="公式" r:id="rId10" imgW="2044440" imgH="431640" progId="Equation.3">
                   <p:embed/>
                 </p:oleObj>
               </mc:Choice>
               <mc:Fallback>
-                <p:oleObj name="公式" r:id="rId11" imgW="2044440" imgH="431640" progId="Equation.3">
+                <p:oleObj name="公式" r:id="rId10" imgW="2044440" imgH="431640" progId="Equation.3">
                   <p:embed/>
                   <p:pic>
                     <p:nvPicPr>
@@ -26318,7 +26319,7 @@
                       <p:nvPr/>
                     </p:nvPicPr>
                     <p:blipFill>
-                      <a:blip r:embed="rId12">
+                      <a:blip r:embed="rId11">
                         <a:extLst>
                           <a:ext uri="{28A0092B-C50C-407E-A947-70E740481C1C}">
                             <a14:useLocalDpi xmlns:a14="http://schemas.microsoft.com/office/drawing/2010/main" val="0"/>
@@ -28029,12 +28030,12 @@
           <a:graphicData uri="http://schemas.openxmlformats.org/presentationml/2006/ole">
             <mc:AlternateContent xmlns:mc="http://schemas.openxmlformats.org/markup-compatibility/2006">
               <mc:Choice xmlns:v="urn:schemas-microsoft-com:vml" Requires="v">
-                <p:oleObj spid="_x0000_s10243" name="公式" r:id="rId3" imgW="2311200" imgH="634680" progId="Equation.3">
+                <p:oleObj name="公式" r:id="rId2" imgW="2311200" imgH="634680" progId="Equation.3">
                   <p:embed/>
                 </p:oleObj>
               </mc:Choice>
               <mc:Fallback>
-                <p:oleObj name="公式" r:id="rId3" imgW="2311200" imgH="634680" progId="Equation.3">
+                <p:oleObj name="公式" r:id="rId2" imgW="2311200" imgH="634680" progId="Equation.3">
                   <p:embed/>
                   <p:pic>
                     <p:nvPicPr>
@@ -28045,7 +28046,7 @@
                       <p:nvPr/>
                     </p:nvPicPr>
                     <p:blipFill>
-                      <a:blip r:embed="rId4">
+                      <a:blip r:embed="rId3">
                         <a:extLst>
                           <a:ext uri="{28A0092B-C50C-407E-A947-70E740481C1C}">
                             <a14:useLocalDpi xmlns:a14="http://schemas.microsoft.com/office/drawing/2010/main" val="0"/>
@@ -28720,12 +28721,12 @@
           <a:graphicData uri="http://schemas.openxmlformats.org/presentationml/2006/ole">
             <mc:AlternateContent xmlns:mc="http://schemas.openxmlformats.org/markup-compatibility/2006">
               <mc:Choice xmlns:v="urn:schemas-microsoft-com:vml" Requires="v">
-                <p:oleObj spid="_x0000_s11277" name="公式" r:id="rId3" imgW="1574640" imgH="634680" progId="Equation.3">
+                <p:oleObj name="公式" r:id="rId2" imgW="1574640" imgH="634680" progId="Equation.3">
                   <p:embed/>
                 </p:oleObj>
               </mc:Choice>
               <mc:Fallback>
-                <p:oleObj name="公式" r:id="rId3" imgW="1574640" imgH="634680" progId="Equation.3">
+                <p:oleObj name="公式" r:id="rId2" imgW="1574640" imgH="634680" progId="Equation.3">
                   <p:embed/>
                   <p:pic>
                     <p:nvPicPr>
@@ -28736,7 +28737,7 @@
                       <p:nvPr/>
                     </p:nvPicPr>
                     <p:blipFill>
-                      <a:blip r:embed="rId4">
+                      <a:blip r:embed="rId3">
                         <a:extLst>
                           <a:ext uri="{28A0092B-C50C-407E-A947-70E740481C1C}">
                             <a14:useLocalDpi xmlns:a14="http://schemas.microsoft.com/office/drawing/2010/main" val="0"/>
@@ -28813,12 +28814,12 @@
           <a:graphicData uri="http://schemas.openxmlformats.org/presentationml/2006/ole">
             <mc:AlternateContent xmlns:mc="http://schemas.openxmlformats.org/markup-compatibility/2006">
               <mc:Choice xmlns:v="urn:schemas-microsoft-com:vml" Requires="v">
-                <p:oleObj spid="_x0000_s11278" name="公式" r:id="rId5" imgW="1333440" imgH="431640" progId="Equation.3">
+                <p:oleObj name="公式" r:id="rId4" imgW="1333440" imgH="431640" progId="Equation.3">
                   <p:embed/>
                 </p:oleObj>
               </mc:Choice>
               <mc:Fallback>
-                <p:oleObj name="公式" r:id="rId5" imgW="1333440" imgH="431640" progId="Equation.3">
+                <p:oleObj name="公式" r:id="rId4" imgW="1333440" imgH="431640" progId="Equation.3">
                   <p:embed/>
                   <p:pic>
                     <p:nvPicPr>
@@ -28829,7 +28830,7 @@
                       <p:nvPr/>
                     </p:nvPicPr>
                     <p:blipFill>
-                      <a:blip r:embed="rId6">
+                      <a:blip r:embed="rId5">
                         <a:extLst>
                           <a:ext uri="{28A0092B-C50C-407E-A947-70E740481C1C}">
                             <a14:useLocalDpi xmlns:a14="http://schemas.microsoft.com/office/drawing/2010/main" val="0"/>
@@ -28906,12 +28907,12 @@
           <a:graphicData uri="http://schemas.openxmlformats.org/presentationml/2006/ole">
             <mc:AlternateContent xmlns:mc="http://schemas.openxmlformats.org/markup-compatibility/2006">
               <mc:Choice xmlns:v="urn:schemas-microsoft-com:vml" Requires="v">
-                <p:oleObj spid="_x0000_s11279" name="公式" r:id="rId7" imgW="1981080" imgH="431640" progId="Equation.3">
+                <p:oleObj name="公式" r:id="rId6" imgW="1981080" imgH="431640" progId="Equation.3">
                   <p:embed/>
                 </p:oleObj>
               </mc:Choice>
               <mc:Fallback>
-                <p:oleObj name="公式" r:id="rId7" imgW="1981080" imgH="431640" progId="Equation.3">
+                <p:oleObj name="公式" r:id="rId6" imgW="1981080" imgH="431640" progId="Equation.3">
                   <p:embed/>
                   <p:pic>
                     <p:nvPicPr>
@@ -28922,7 +28923,7 @@
                       <p:nvPr/>
                     </p:nvPicPr>
                     <p:blipFill>
-                      <a:blip r:embed="rId8">
+                      <a:blip r:embed="rId7">
                         <a:extLst>
                           <a:ext uri="{28A0092B-C50C-407E-A947-70E740481C1C}">
                             <a14:useLocalDpi xmlns:a14="http://schemas.microsoft.com/office/drawing/2010/main" val="0"/>
@@ -28999,12 +29000,12 @@
           <a:graphicData uri="http://schemas.openxmlformats.org/presentationml/2006/ole">
             <mc:AlternateContent xmlns:mc="http://schemas.openxmlformats.org/markup-compatibility/2006">
               <mc:Choice xmlns:v="urn:schemas-microsoft-com:vml" Requires="v">
-                <p:oleObj spid="_x0000_s11280" name="公式" r:id="rId9" imgW="1015920" imgH="431640" progId="Equation.3">
+                <p:oleObj name="公式" r:id="rId8" imgW="1015920" imgH="431640" progId="Equation.3">
                   <p:embed/>
                 </p:oleObj>
               </mc:Choice>
               <mc:Fallback>
-                <p:oleObj name="公式" r:id="rId9" imgW="1015920" imgH="431640" progId="Equation.3">
+                <p:oleObj name="公式" r:id="rId8" imgW="1015920" imgH="431640" progId="Equation.3">
                   <p:embed/>
                   <p:pic>
                     <p:nvPicPr>
@@ -29015,7 +29016,7 @@
                       <p:nvPr/>
                     </p:nvPicPr>
                     <p:blipFill>
-                      <a:blip r:embed="rId10">
+                      <a:blip r:embed="rId9">
                         <a:extLst>
                           <a:ext uri="{28A0092B-C50C-407E-A947-70E740481C1C}">
                             <a14:useLocalDpi xmlns:a14="http://schemas.microsoft.com/office/drawing/2010/main" val="0"/>
@@ -29092,12 +29093,12 @@
           <a:graphicData uri="http://schemas.openxmlformats.org/presentationml/2006/ole">
             <mc:AlternateContent xmlns:mc="http://schemas.openxmlformats.org/markup-compatibility/2006">
               <mc:Choice xmlns:v="urn:schemas-microsoft-com:vml" Requires="v">
-                <p:oleObj spid="_x0000_s11281" name="公式" r:id="rId11" imgW="368280" imgH="228600" progId="Equation.3">
+                <p:oleObj name="公式" r:id="rId10" imgW="368280" imgH="228600" progId="Equation.3">
                   <p:embed/>
                 </p:oleObj>
               </mc:Choice>
               <mc:Fallback>
-                <p:oleObj name="公式" r:id="rId11" imgW="368280" imgH="228600" progId="Equation.3">
+                <p:oleObj name="公式" r:id="rId10" imgW="368280" imgH="228600" progId="Equation.3">
                   <p:embed/>
                   <p:pic>
                     <p:nvPicPr>
@@ -29108,7 +29109,7 @@
                       <p:nvPr/>
                     </p:nvPicPr>
                     <p:blipFill>
-                      <a:blip r:embed="rId12">
+                      <a:blip r:embed="rId11">
                         <a:extLst>
                           <a:ext uri="{28A0092B-C50C-407E-A947-70E740481C1C}">
                             <a14:useLocalDpi xmlns:a14="http://schemas.microsoft.com/office/drawing/2010/main" val="0"/>
@@ -29185,12 +29186,12 @@
           <a:graphicData uri="http://schemas.openxmlformats.org/presentationml/2006/ole">
             <mc:AlternateContent xmlns:mc="http://schemas.openxmlformats.org/markup-compatibility/2006">
               <mc:Choice xmlns:v="urn:schemas-microsoft-com:vml" Requires="v">
-                <p:oleObj spid="_x0000_s11282" name="公式" r:id="rId13" imgW="1282680" imgH="431640" progId="Equation.3">
+                <p:oleObj name="公式" r:id="rId12" imgW="1282680" imgH="431640" progId="Equation.3">
                   <p:embed/>
                 </p:oleObj>
               </mc:Choice>
               <mc:Fallback>
-                <p:oleObj name="公式" r:id="rId13" imgW="1282680" imgH="431640" progId="Equation.3">
+                <p:oleObj name="公式" r:id="rId12" imgW="1282680" imgH="431640" progId="Equation.3">
                   <p:embed/>
                   <p:pic>
                     <p:nvPicPr>
@@ -29201,7 +29202,7 @@
                       <p:nvPr/>
                     </p:nvPicPr>
                     <p:blipFill>
-                      <a:blip r:embed="rId14">
+                      <a:blip r:embed="rId13">
                         <a:extLst>
                           <a:ext uri="{28A0092B-C50C-407E-A947-70E740481C1C}">
                             <a14:useLocalDpi xmlns:a14="http://schemas.microsoft.com/office/drawing/2010/main" val="0"/>
@@ -29278,12 +29279,12 @@
           <a:graphicData uri="http://schemas.openxmlformats.org/presentationml/2006/ole">
             <mc:AlternateContent xmlns:mc="http://schemas.openxmlformats.org/markup-compatibility/2006">
               <mc:Choice xmlns:v="urn:schemas-microsoft-com:vml" Requires="v">
-                <p:oleObj spid="_x0000_s11283" name="公式" r:id="rId15" imgW="2082600" imgH="431640" progId="Equation.3">
+                <p:oleObj name="公式" r:id="rId14" imgW="2082600" imgH="431640" progId="Equation.3">
                   <p:embed/>
                 </p:oleObj>
               </mc:Choice>
               <mc:Fallback>
-                <p:oleObj name="公式" r:id="rId15" imgW="2082600" imgH="431640" progId="Equation.3">
+                <p:oleObj name="公式" r:id="rId14" imgW="2082600" imgH="431640" progId="Equation.3">
                   <p:embed/>
                   <p:pic>
                     <p:nvPicPr>
@@ -29294,7 +29295,7 @@
                       <p:nvPr/>
                     </p:nvPicPr>
                     <p:blipFill>
-                      <a:blip r:embed="rId16">
+                      <a:blip r:embed="rId15">
                         <a:extLst>
                           <a:ext uri="{28A0092B-C50C-407E-A947-70E740481C1C}">
                             <a14:useLocalDpi xmlns:a14="http://schemas.microsoft.com/office/drawing/2010/main" val="0"/>
@@ -29371,12 +29372,12 @@
           <a:graphicData uri="http://schemas.openxmlformats.org/presentationml/2006/ole">
             <mc:AlternateContent xmlns:mc="http://schemas.openxmlformats.org/markup-compatibility/2006">
               <mc:Choice xmlns:v="urn:schemas-microsoft-com:vml" Requires="v">
-                <p:oleObj spid="_x0000_s11284" name="公式" r:id="rId17" imgW="1434960" imgH="241200" progId="Equation.3">
+                <p:oleObj name="公式" r:id="rId16" imgW="1434960" imgH="241200" progId="Equation.3">
                   <p:embed/>
                 </p:oleObj>
               </mc:Choice>
               <mc:Fallback>
-                <p:oleObj name="公式" r:id="rId17" imgW="1434960" imgH="241200" progId="Equation.3">
+                <p:oleObj name="公式" r:id="rId16" imgW="1434960" imgH="241200" progId="Equation.3">
                   <p:embed/>
                   <p:pic>
                     <p:nvPicPr>
@@ -29387,7 +29388,7 @@
                       <p:nvPr/>
                     </p:nvPicPr>
                     <p:blipFill>
-                      <a:blip r:embed="rId18">
+                      <a:blip r:embed="rId17">
                         <a:extLst>
                           <a:ext uri="{28A0092B-C50C-407E-A947-70E740481C1C}">
                             <a14:useLocalDpi xmlns:a14="http://schemas.microsoft.com/office/drawing/2010/main" val="0"/>
@@ -29464,12 +29465,12 @@
           <a:graphicData uri="http://schemas.openxmlformats.org/presentationml/2006/ole">
             <mc:AlternateContent xmlns:mc="http://schemas.openxmlformats.org/markup-compatibility/2006">
               <mc:Choice xmlns:v="urn:schemas-microsoft-com:vml" Requires="v">
-                <p:oleObj spid="_x0000_s11285" name="公式" r:id="rId19" imgW="1892160" imgH="228600" progId="Equation.3">
+                <p:oleObj name="公式" r:id="rId18" imgW="1892160" imgH="228600" progId="Equation.3">
                   <p:embed/>
                 </p:oleObj>
               </mc:Choice>
               <mc:Fallback>
-                <p:oleObj name="公式" r:id="rId19" imgW="1892160" imgH="228600" progId="Equation.3">
+                <p:oleObj name="公式" r:id="rId18" imgW="1892160" imgH="228600" progId="Equation.3">
                   <p:embed/>
                   <p:pic>
                     <p:nvPicPr>
@@ -29480,7 +29481,7 @@
                       <p:nvPr/>
                     </p:nvPicPr>
                     <p:blipFill>
-                      <a:blip r:embed="rId20">
+                      <a:blip r:embed="rId19">
                         <a:extLst>
                           <a:ext uri="{28A0092B-C50C-407E-A947-70E740481C1C}">
                             <a14:useLocalDpi xmlns:a14="http://schemas.microsoft.com/office/drawing/2010/main" val="0"/>
@@ -29557,12 +29558,12 @@
           <a:graphicData uri="http://schemas.openxmlformats.org/presentationml/2006/ole">
             <mc:AlternateContent xmlns:mc="http://schemas.openxmlformats.org/markup-compatibility/2006">
               <mc:Choice xmlns:v="urn:schemas-microsoft-com:vml" Requires="v">
-                <p:oleObj spid="_x0000_s11286" name="公式" r:id="rId21" imgW="1828800" imgH="431640" progId="Equation.3">
+                <p:oleObj name="公式" r:id="rId20" imgW="1828800" imgH="431640" progId="Equation.3">
                   <p:embed/>
                 </p:oleObj>
               </mc:Choice>
               <mc:Fallback>
-                <p:oleObj name="公式" r:id="rId21" imgW="1828800" imgH="431640" progId="Equation.3">
+                <p:oleObj name="公式" r:id="rId20" imgW="1828800" imgH="431640" progId="Equation.3">
                   <p:embed/>
                   <p:pic>
                     <p:nvPicPr>
@@ -29573,7 +29574,7 @@
                       <p:nvPr/>
                     </p:nvPicPr>
                     <p:blipFill>
-                      <a:blip r:embed="rId22">
+                      <a:blip r:embed="rId21">
                         <a:extLst>
                           <a:ext uri="{28A0092B-C50C-407E-A947-70E740481C1C}">
                             <a14:useLocalDpi xmlns:a14="http://schemas.microsoft.com/office/drawing/2010/main" val="0"/>
@@ -29650,12 +29651,12 @@
           <a:graphicData uri="http://schemas.openxmlformats.org/presentationml/2006/ole">
             <mc:AlternateContent xmlns:mc="http://schemas.openxmlformats.org/markup-compatibility/2006">
               <mc:Choice xmlns:v="urn:schemas-microsoft-com:vml" Requires="v">
-                <p:oleObj spid="_x0000_s11287" name="公式" r:id="rId23" imgW="2197080" imgH="431640" progId="Equation.3">
+                <p:oleObj name="公式" r:id="rId22" imgW="2197080" imgH="431640" progId="Equation.3">
                   <p:embed/>
                 </p:oleObj>
               </mc:Choice>
               <mc:Fallback>
-                <p:oleObj name="公式" r:id="rId23" imgW="2197080" imgH="431640" progId="Equation.3">
+                <p:oleObj name="公式" r:id="rId22" imgW="2197080" imgH="431640" progId="Equation.3">
                   <p:embed/>
                   <p:pic>
                     <p:nvPicPr>
@@ -29666,7 +29667,7 @@
                       <p:nvPr/>
                     </p:nvPicPr>
                     <p:blipFill>
-                      <a:blip r:embed="rId24">
+                      <a:blip r:embed="rId23">
                         <a:extLst>
                           <a:ext uri="{28A0092B-C50C-407E-A947-70E740481C1C}">
                             <a14:useLocalDpi xmlns:a14="http://schemas.microsoft.com/office/drawing/2010/main" val="0"/>
@@ -30309,12 +30310,12 @@
           <a:graphicData uri="http://schemas.openxmlformats.org/presentationml/2006/ole">
             <mc:AlternateContent xmlns:mc="http://schemas.openxmlformats.org/markup-compatibility/2006">
               <mc:Choice xmlns:v="urn:schemas-microsoft-com:vml" Requires="v">
-                <p:oleObj spid="_x0000_s12300" name="公式" r:id="rId3" imgW="1130040" imgH="431640" progId="Equation.3">
+                <p:oleObj name="公式" r:id="rId2" imgW="1130040" imgH="431640" progId="Equation.3">
                   <p:embed/>
                 </p:oleObj>
               </mc:Choice>
               <mc:Fallback>
-                <p:oleObj name="公式" r:id="rId3" imgW="1130040" imgH="431640" progId="Equation.3">
+                <p:oleObj name="公式" r:id="rId2" imgW="1130040" imgH="431640" progId="Equation.3">
                   <p:embed/>
                   <p:pic>
                     <p:nvPicPr>
@@ -30325,7 +30326,7 @@
                       <p:nvPr/>
                     </p:nvPicPr>
                     <p:blipFill>
-                      <a:blip r:embed="rId4">
+                      <a:blip r:embed="rId3">
                         <a:extLst>
                           <a:ext uri="{28A0092B-C50C-407E-A947-70E740481C1C}">
                             <a14:useLocalDpi xmlns:a14="http://schemas.microsoft.com/office/drawing/2010/main" val="0"/>
@@ -30402,12 +30403,12 @@
           <a:graphicData uri="http://schemas.openxmlformats.org/presentationml/2006/ole">
             <mc:AlternateContent xmlns:mc="http://schemas.openxmlformats.org/markup-compatibility/2006">
               <mc:Choice xmlns:v="urn:schemas-microsoft-com:vml" Requires="v">
-                <p:oleObj spid="_x0000_s12301" name="公式" r:id="rId5" imgW="1346040" imgH="444240" progId="Equation.3">
+                <p:oleObj name="公式" r:id="rId4" imgW="1346040" imgH="444240" progId="Equation.3">
                   <p:embed/>
                 </p:oleObj>
               </mc:Choice>
               <mc:Fallback>
-                <p:oleObj name="公式" r:id="rId5" imgW="1346040" imgH="444240" progId="Equation.3">
+                <p:oleObj name="公式" r:id="rId4" imgW="1346040" imgH="444240" progId="Equation.3">
                   <p:embed/>
                   <p:pic>
                     <p:nvPicPr>
@@ -30418,7 +30419,7 @@
                       <p:nvPr/>
                     </p:nvPicPr>
                     <p:blipFill>
-                      <a:blip r:embed="rId6">
+                      <a:blip r:embed="rId5">
                         <a:extLst>
                           <a:ext uri="{28A0092B-C50C-407E-A947-70E740481C1C}">
                             <a14:useLocalDpi xmlns:a14="http://schemas.microsoft.com/office/drawing/2010/main" val="0"/>
@@ -30495,12 +30496,12 @@
           <a:graphicData uri="http://schemas.openxmlformats.org/presentationml/2006/ole">
             <mc:AlternateContent xmlns:mc="http://schemas.openxmlformats.org/markup-compatibility/2006">
               <mc:Choice xmlns:v="urn:schemas-microsoft-com:vml" Requires="v">
-                <p:oleObj spid="_x0000_s12302" name="公式" r:id="rId7" imgW="1638000" imgH="419040" progId="Equation.3">
+                <p:oleObj name="公式" r:id="rId6" imgW="1638000" imgH="419040" progId="Equation.3">
                   <p:embed/>
                 </p:oleObj>
               </mc:Choice>
               <mc:Fallback>
-                <p:oleObj name="公式" r:id="rId7" imgW="1638000" imgH="419040" progId="Equation.3">
+                <p:oleObj name="公式" r:id="rId6" imgW="1638000" imgH="419040" progId="Equation.3">
                   <p:embed/>
                   <p:pic>
                     <p:nvPicPr>
@@ -30511,7 +30512,7 @@
                       <p:nvPr/>
                     </p:nvPicPr>
                     <p:blipFill>
-                      <a:blip r:embed="rId8">
+                      <a:blip r:embed="rId7">
                         <a:extLst>
                           <a:ext uri="{28A0092B-C50C-407E-A947-70E740481C1C}">
                             <a14:useLocalDpi xmlns:a14="http://schemas.microsoft.com/office/drawing/2010/main" val="0"/>
@@ -30588,12 +30589,12 @@
           <a:graphicData uri="http://schemas.openxmlformats.org/presentationml/2006/ole">
             <mc:AlternateContent xmlns:mc="http://schemas.openxmlformats.org/markup-compatibility/2006">
               <mc:Choice xmlns:v="urn:schemas-microsoft-com:vml" Requires="v">
-                <p:oleObj spid="_x0000_s12303" name="公式" r:id="rId9" imgW="2158920" imgH="419040" progId="Equation.3">
+                <p:oleObj name="公式" r:id="rId8" imgW="2158920" imgH="419040" progId="Equation.3">
                   <p:embed/>
                 </p:oleObj>
               </mc:Choice>
               <mc:Fallback>
-                <p:oleObj name="公式" r:id="rId9" imgW="2158920" imgH="419040" progId="Equation.3">
+                <p:oleObj name="公式" r:id="rId8" imgW="2158920" imgH="419040" progId="Equation.3">
                   <p:embed/>
                   <p:pic>
                     <p:nvPicPr>
@@ -30604,7 +30605,7 @@
                       <p:nvPr/>
                     </p:nvPicPr>
                     <p:blipFill>
-                      <a:blip r:embed="rId10">
+                      <a:blip r:embed="rId9">
                         <a:extLst>
                           <a:ext uri="{28A0092B-C50C-407E-A947-70E740481C1C}">
                             <a14:useLocalDpi xmlns:a14="http://schemas.microsoft.com/office/drawing/2010/main" val="0"/>
@@ -30681,12 +30682,12 @@
           <a:graphicData uri="http://schemas.openxmlformats.org/presentationml/2006/ole">
             <mc:AlternateContent xmlns:mc="http://schemas.openxmlformats.org/markup-compatibility/2006">
               <mc:Choice xmlns:v="urn:schemas-microsoft-com:vml" Requires="v">
-                <p:oleObj spid="_x0000_s12304" name="公式" r:id="rId11" imgW="2616120" imgH="419040" progId="Equation.3">
+                <p:oleObj name="公式" r:id="rId10" imgW="2616120" imgH="419040" progId="Equation.3">
                   <p:embed/>
                 </p:oleObj>
               </mc:Choice>
               <mc:Fallback>
-                <p:oleObj name="公式" r:id="rId11" imgW="2616120" imgH="419040" progId="Equation.3">
+                <p:oleObj name="公式" r:id="rId10" imgW="2616120" imgH="419040" progId="Equation.3">
                   <p:embed/>
                   <p:pic>
                     <p:nvPicPr>
@@ -30697,7 +30698,7 @@
                       <p:nvPr/>
                     </p:nvPicPr>
                     <p:blipFill>
-                      <a:blip r:embed="rId12">
+                      <a:blip r:embed="rId11">
                         <a:extLst>
                           <a:ext uri="{28A0092B-C50C-407E-A947-70E740481C1C}">
                             <a14:useLocalDpi xmlns:a14="http://schemas.microsoft.com/office/drawing/2010/main" val="0"/>
@@ -30774,12 +30775,12 @@
           <a:graphicData uri="http://schemas.openxmlformats.org/presentationml/2006/ole">
             <mc:AlternateContent xmlns:mc="http://schemas.openxmlformats.org/markup-compatibility/2006">
               <mc:Choice xmlns:v="urn:schemas-microsoft-com:vml" Requires="v">
-                <p:oleObj spid="_x0000_s12305" name="公式" r:id="rId13" imgW="2336760" imgH="444240" progId="Equation.3">
+                <p:oleObj name="公式" r:id="rId12" imgW="2336760" imgH="444240" progId="Equation.3">
                   <p:embed/>
                 </p:oleObj>
               </mc:Choice>
               <mc:Fallback>
-                <p:oleObj name="公式" r:id="rId13" imgW="2336760" imgH="444240" progId="Equation.3">
+                <p:oleObj name="公式" r:id="rId12" imgW="2336760" imgH="444240" progId="Equation.3">
                   <p:embed/>
                   <p:pic>
                     <p:nvPicPr>
@@ -30790,7 +30791,7 @@
                       <p:nvPr/>
                     </p:nvPicPr>
                     <p:blipFill>
-                      <a:blip r:embed="rId14">
+                      <a:blip r:embed="rId13">
                         <a:extLst>
                           <a:ext uri="{28A0092B-C50C-407E-A947-70E740481C1C}">
                             <a14:useLocalDpi xmlns:a14="http://schemas.microsoft.com/office/drawing/2010/main" val="0"/>
@@ -30936,12 +30937,12 @@
           <a:graphicData uri="http://schemas.openxmlformats.org/presentationml/2006/ole">
             <mc:AlternateContent xmlns:mc="http://schemas.openxmlformats.org/markup-compatibility/2006">
               <mc:Choice xmlns:v="urn:schemas-microsoft-com:vml" Requires="v">
-                <p:oleObj spid="_x0000_s12306" name="公式" r:id="rId15" imgW="1168200" imgH="330120" progId="Equation.3">
+                <p:oleObj name="公式" r:id="rId14" imgW="1168200" imgH="330120" progId="Equation.3">
                   <p:embed/>
                 </p:oleObj>
               </mc:Choice>
               <mc:Fallback>
-                <p:oleObj name="公式" r:id="rId15" imgW="1168200" imgH="330120" progId="Equation.3">
+                <p:oleObj name="公式" r:id="rId14" imgW="1168200" imgH="330120" progId="Equation.3">
                   <p:embed/>
                   <p:pic>
                     <p:nvPicPr>
@@ -30952,7 +30953,7 @@
                       <p:nvPr/>
                     </p:nvPicPr>
                     <p:blipFill>
-                      <a:blip r:embed="rId16">
+                      <a:blip r:embed="rId15">
                         <a:extLst>
                           <a:ext uri="{28A0092B-C50C-407E-A947-70E740481C1C}">
                             <a14:useLocalDpi xmlns:a14="http://schemas.microsoft.com/office/drawing/2010/main" val="0"/>
@@ -31029,12 +31030,12 @@
           <a:graphicData uri="http://schemas.openxmlformats.org/presentationml/2006/ole">
             <mc:AlternateContent xmlns:mc="http://schemas.openxmlformats.org/markup-compatibility/2006">
               <mc:Choice xmlns:v="urn:schemas-microsoft-com:vml" Requires="v">
-                <p:oleObj spid="_x0000_s12307" name="公式" r:id="rId17" imgW="2590560" imgH="609480" progId="Equation.3">
+                <p:oleObj name="公式" r:id="rId16" imgW="2590560" imgH="609480" progId="Equation.3">
                   <p:embed/>
                 </p:oleObj>
               </mc:Choice>
               <mc:Fallback>
-                <p:oleObj name="公式" r:id="rId17" imgW="2590560" imgH="609480" progId="Equation.3">
+                <p:oleObj name="公式" r:id="rId16" imgW="2590560" imgH="609480" progId="Equation.3">
                   <p:embed/>
                   <p:pic>
                     <p:nvPicPr>
@@ -31045,7 +31046,7 @@
                       <p:nvPr/>
                     </p:nvPicPr>
                     <p:blipFill>
-                      <a:blip r:embed="rId18">
+                      <a:blip r:embed="rId17">
                         <a:extLst>
                           <a:ext uri="{28A0092B-C50C-407E-A947-70E740481C1C}">
                             <a14:useLocalDpi xmlns:a14="http://schemas.microsoft.com/office/drawing/2010/main" val="0"/>
@@ -31122,12 +31123,12 @@
           <a:graphicData uri="http://schemas.openxmlformats.org/presentationml/2006/ole">
             <mc:AlternateContent xmlns:mc="http://schemas.openxmlformats.org/markup-compatibility/2006">
               <mc:Choice xmlns:v="urn:schemas-microsoft-com:vml" Requires="v">
-                <p:oleObj spid="_x0000_s12308" name="公式" r:id="rId19" imgW="1714320" imgH="444240" progId="Equation.3">
+                <p:oleObj name="公式" r:id="rId18" imgW="1714320" imgH="444240" progId="Equation.3">
                   <p:embed/>
                 </p:oleObj>
               </mc:Choice>
               <mc:Fallback>
-                <p:oleObj name="公式" r:id="rId19" imgW="1714320" imgH="444240" progId="Equation.3">
+                <p:oleObj name="公式" r:id="rId18" imgW="1714320" imgH="444240" progId="Equation.3">
                   <p:embed/>
                   <p:pic>
                     <p:nvPicPr>
@@ -31138,7 +31139,7 @@
                       <p:nvPr/>
                     </p:nvPicPr>
                     <p:blipFill>
-                      <a:blip r:embed="rId20">
+                      <a:blip r:embed="rId19">
                         <a:extLst>
                           <a:ext uri="{28A0092B-C50C-407E-A947-70E740481C1C}">
                             <a14:useLocalDpi xmlns:a14="http://schemas.microsoft.com/office/drawing/2010/main" val="0"/>
@@ -31215,12 +31216,12 @@
           <a:graphicData uri="http://schemas.openxmlformats.org/presentationml/2006/ole">
             <mc:AlternateContent xmlns:mc="http://schemas.openxmlformats.org/markup-compatibility/2006">
               <mc:Choice xmlns:v="urn:schemas-microsoft-com:vml" Requires="v">
-                <p:oleObj spid="_x0000_s12309" name="公式" r:id="rId21" imgW="1600200" imgH="431640" progId="Equation.3">
+                <p:oleObj name="公式" r:id="rId20" imgW="1600200" imgH="431640" progId="Equation.3">
                   <p:embed/>
                 </p:oleObj>
               </mc:Choice>
               <mc:Fallback>
-                <p:oleObj name="公式" r:id="rId21" imgW="1600200" imgH="431640" progId="Equation.3">
+                <p:oleObj name="公式" r:id="rId20" imgW="1600200" imgH="431640" progId="Equation.3">
                   <p:embed/>
                   <p:pic>
                     <p:nvPicPr>
@@ -31231,7 +31232,7 @@
                       <p:nvPr/>
                     </p:nvPicPr>
                     <p:blipFill>
-                      <a:blip r:embed="rId22">
+                      <a:blip r:embed="rId21">
                         <a:extLst>
                           <a:ext uri="{28A0092B-C50C-407E-A947-70E740481C1C}">
                             <a14:useLocalDpi xmlns:a14="http://schemas.microsoft.com/office/drawing/2010/main" val="0"/>
@@ -31868,12 +31869,12 @@
           <a:graphicData uri="http://schemas.openxmlformats.org/presentationml/2006/ole">
             <mc:AlternateContent xmlns:mc="http://schemas.openxmlformats.org/markup-compatibility/2006">
               <mc:Choice xmlns:v="urn:schemas-microsoft-com:vml" Requires="v">
-                <p:oleObj spid="_x0000_s13321" name="公式" r:id="rId3" imgW="3136680" imgH="444240" progId="Equation.3">
+                <p:oleObj name="公式" r:id="rId2" imgW="3136680" imgH="444240" progId="Equation.3">
                   <p:embed/>
                 </p:oleObj>
               </mc:Choice>
               <mc:Fallback>
-                <p:oleObj name="公式" r:id="rId3" imgW="3136680" imgH="444240" progId="Equation.3">
+                <p:oleObj name="公式" r:id="rId2" imgW="3136680" imgH="444240" progId="Equation.3">
                   <p:embed/>
                   <p:pic>
                     <p:nvPicPr>
@@ -31884,7 +31885,7 @@
                       <p:nvPr/>
                     </p:nvPicPr>
                     <p:blipFill>
-                      <a:blip r:embed="rId4">
+                      <a:blip r:embed="rId3">
                         <a:extLst>
                           <a:ext uri="{28A0092B-C50C-407E-A947-70E740481C1C}">
                             <a14:useLocalDpi xmlns:a14="http://schemas.microsoft.com/office/drawing/2010/main" val="0"/>
@@ -31961,12 +31962,12 @@
           <a:graphicData uri="http://schemas.openxmlformats.org/presentationml/2006/ole">
             <mc:AlternateContent xmlns:mc="http://schemas.openxmlformats.org/markup-compatibility/2006">
               <mc:Choice xmlns:v="urn:schemas-microsoft-com:vml" Requires="v">
-                <p:oleObj spid="_x0000_s13322" name="公式" r:id="rId5" imgW="2006280" imgH="634680" progId="Equation.3">
+                <p:oleObj name="公式" r:id="rId4" imgW="2006280" imgH="634680" progId="Equation.3">
                   <p:embed/>
                 </p:oleObj>
               </mc:Choice>
               <mc:Fallback>
-                <p:oleObj name="公式" r:id="rId5" imgW="2006280" imgH="634680" progId="Equation.3">
+                <p:oleObj name="公式" r:id="rId4" imgW="2006280" imgH="634680" progId="Equation.3">
                   <p:embed/>
                   <p:pic>
                     <p:nvPicPr>
@@ -31977,7 +31978,7 @@
                       <p:nvPr/>
                     </p:nvPicPr>
                     <p:blipFill>
-                      <a:blip r:embed="rId6">
+                      <a:blip r:embed="rId5">
                         <a:extLst>
                           <a:ext uri="{28A0092B-C50C-407E-A947-70E740481C1C}">
                             <a14:useLocalDpi xmlns:a14="http://schemas.microsoft.com/office/drawing/2010/main" val="0"/>
@@ -32054,12 +32055,12 @@
           <a:graphicData uri="http://schemas.openxmlformats.org/presentationml/2006/ole">
             <mc:AlternateContent xmlns:mc="http://schemas.openxmlformats.org/markup-compatibility/2006">
               <mc:Choice xmlns:v="urn:schemas-microsoft-com:vml" Requires="v">
-                <p:oleObj spid="_x0000_s13323" name="公式" r:id="rId7" imgW="1638000" imgH="634680" progId="Equation.3">
+                <p:oleObj name="公式" r:id="rId6" imgW="1638000" imgH="634680" progId="Equation.3">
                   <p:embed/>
                 </p:oleObj>
               </mc:Choice>
               <mc:Fallback>
-                <p:oleObj name="公式" r:id="rId7" imgW="1638000" imgH="634680" progId="Equation.3">
+                <p:oleObj name="公式" r:id="rId6" imgW="1638000" imgH="634680" progId="Equation.3">
                   <p:embed/>
                   <p:pic>
                     <p:nvPicPr>
@@ -32070,7 +32071,7 @@
                       <p:nvPr/>
                     </p:nvPicPr>
                     <p:blipFill>
-                      <a:blip r:embed="rId8">
+                      <a:blip r:embed="rId7">
                         <a:extLst>
                           <a:ext uri="{28A0092B-C50C-407E-A947-70E740481C1C}">
                             <a14:useLocalDpi xmlns:a14="http://schemas.microsoft.com/office/drawing/2010/main" val="0"/>
@@ -32147,12 +32148,12 @@
           <a:graphicData uri="http://schemas.openxmlformats.org/presentationml/2006/ole">
             <mc:AlternateContent xmlns:mc="http://schemas.openxmlformats.org/markup-compatibility/2006">
               <mc:Choice xmlns:v="urn:schemas-microsoft-com:vml" Requires="v">
-                <p:oleObj spid="_x0000_s13324" name="公式" r:id="rId9" imgW="2781000" imgH="812520" progId="Equation.3">
+                <p:oleObj name="公式" r:id="rId8" imgW="2781000" imgH="812520" progId="Equation.3">
                   <p:embed/>
                 </p:oleObj>
               </mc:Choice>
               <mc:Fallback>
-                <p:oleObj name="公式" r:id="rId9" imgW="2781000" imgH="812520" progId="Equation.3">
+                <p:oleObj name="公式" r:id="rId8" imgW="2781000" imgH="812520" progId="Equation.3">
                   <p:embed/>
                   <p:pic>
                     <p:nvPicPr>
@@ -32163,7 +32164,7 @@
                       <p:nvPr/>
                     </p:nvPicPr>
                     <p:blipFill>
-                      <a:blip r:embed="rId10">
+                      <a:blip r:embed="rId9">
                         <a:extLst>
                           <a:ext uri="{28A0092B-C50C-407E-A947-70E740481C1C}">
                             <a14:useLocalDpi xmlns:a14="http://schemas.microsoft.com/office/drawing/2010/main" val="0"/>
@@ -32240,12 +32241,12 @@
           <a:graphicData uri="http://schemas.openxmlformats.org/presentationml/2006/ole">
             <mc:AlternateContent xmlns:mc="http://schemas.openxmlformats.org/markup-compatibility/2006">
               <mc:Choice xmlns:v="urn:schemas-microsoft-com:vml" Requires="v">
-                <p:oleObj spid="_x0000_s13325" name="公式" r:id="rId11" imgW="1739880" imgH="634680" progId="Equation.3">
+                <p:oleObj name="公式" r:id="rId10" imgW="1739880" imgH="634680" progId="Equation.3">
                   <p:embed/>
                 </p:oleObj>
               </mc:Choice>
               <mc:Fallback>
-                <p:oleObj name="公式" r:id="rId11" imgW="1739880" imgH="634680" progId="Equation.3">
+                <p:oleObj name="公式" r:id="rId10" imgW="1739880" imgH="634680" progId="Equation.3">
                   <p:embed/>
                   <p:pic>
                     <p:nvPicPr>
@@ -32256,7 +32257,7 @@
                       <p:nvPr/>
                     </p:nvPicPr>
                     <p:blipFill>
-                      <a:blip r:embed="rId12">
+                      <a:blip r:embed="rId11">
                         <a:extLst>
                           <a:ext uri="{28A0092B-C50C-407E-A947-70E740481C1C}">
                             <a14:useLocalDpi xmlns:a14="http://schemas.microsoft.com/office/drawing/2010/main" val="0"/>
@@ -32333,12 +32334,12 @@
           <a:graphicData uri="http://schemas.openxmlformats.org/presentationml/2006/ole">
             <mc:AlternateContent xmlns:mc="http://schemas.openxmlformats.org/markup-compatibility/2006">
               <mc:Choice xmlns:v="urn:schemas-microsoft-com:vml" Requires="v">
-                <p:oleObj spid="_x0000_s13326" name="公式" r:id="rId13" imgW="1562040" imgH="634680" progId="Equation.3">
+                <p:oleObj name="公式" r:id="rId12" imgW="1562040" imgH="634680" progId="Equation.3">
                   <p:embed/>
                 </p:oleObj>
               </mc:Choice>
               <mc:Fallback>
-                <p:oleObj name="公式" r:id="rId13" imgW="1562040" imgH="634680" progId="Equation.3">
+                <p:oleObj name="公式" r:id="rId12" imgW="1562040" imgH="634680" progId="Equation.3">
                   <p:embed/>
                   <p:pic>
                     <p:nvPicPr>
@@ -32349,7 +32350,7 @@
                       <p:nvPr/>
                     </p:nvPicPr>
                     <p:blipFill>
-                      <a:blip r:embed="rId14">
+                      <a:blip r:embed="rId13">
                         <a:extLst>
                           <a:ext uri="{28A0092B-C50C-407E-A947-70E740481C1C}">
                             <a14:useLocalDpi xmlns:a14="http://schemas.microsoft.com/office/drawing/2010/main" val="0"/>
@@ -32426,12 +32427,12 @@
           <a:graphicData uri="http://schemas.openxmlformats.org/presentationml/2006/ole">
             <mc:AlternateContent xmlns:mc="http://schemas.openxmlformats.org/markup-compatibility/2006">
               <mc:Choice xmlns:v="urn:schemas-microsoft-com:vml" Requires="v">
-                <p:oleObj spid="_x0000_s13327" name="公式" r:id="rId15" imgW="1600200" imgH="634680" progId="Equation.3">
+                <p:oleObj name="公式" r:id="rId14" imgW="1600200" imgH="634680" progId="Equation.3">
                   <p:embed/>
                 </p:oleObj>
               </mc:Choice>
               <mc:Fallback>
-                <p:oleObj name="公式" r:id="rId15" imgW="1600200" imgH="634680" progId="Equation.3">
+                <p:oleObj name="公式" r:id="rId14" imgW="1600200" imgH="634680" progId="Equation.3">
                   <p:embed/>
                   <p:pic>
                     <p:nvPicPr>
@@ -32442,7 +32443,7 @@
                       <p:nvPr/>
                     </p:nvPicPr>
                     <p:blipFill>
-                      <a:blip r:embed="rId16">
+                      <a:blip r:embed="rId15">
                         <a:extLst>
                           <a:ext uri="{28A0092B-C50C-407E-A947-70E740481C1C}">
                             <a14:useLocalDpi xmlns:a14="http://schemas.microsoft.com/office/drawing/2010/main" val="0"/>
@@ -32905,12 +32906,12 @@
           <a:graphicData uri="http://schemas.openxmlformats.org/presentationml/2006/ole">
             <mc:AlternateContent xmlns:mc="http://schemas.openxmlformats.org/markup-compatibility/2006">
               <mc:Choice xmlns:v="urn:schemas-microsoft-com:vml" Requires="v">
-                <p:oleObj spid="_x0000_s14345" name="公式" r:id="rId3" imgW="1485720" imgH="634680" progId="Equation.3">
+                <p:oleObj name="公式" r:id="rId2" imgW="1485720" imgH="634680" progId="Equation.3">
                   <p:embed/>
                 </p:oleObj>
               </mc:Choice>
               <mc:Fallback>
-                <p:oleObj name="公式" r:id="rId3" imgW="1485720" imgH="634680" progId="Equation.3">
+                <p:oleObj name="公式" r:id="rId2" imgW="1485720" imgH="634680" progId="Equation.3">
                   <p:embed/>
                   <p:pic>
                     <p:nvPicPr>
@@ -32921,7 +32922,7 @@
                       <p:nvPr/>
                     </p:nvPicPr>
                     <p:blipFill>
-                      <a:blip r:embed="rId4">
+                      <a:blip r:embed="rId3">
                         <a:extLst>
                           <a:ext uri="{28A0092B-C50C-407E-A947-70E740481C1C}">
                             <a14:useLocalDpi xmlns:a14="http://schemas.microsoft.com/office/drawing/2010/main" val="0"/>
@@ -32998,12 +32999,12 @@
           <a:graphicData uri="http://schemas.openxmlformats.org/presentationml/2006/ole">
             <mc:AlternateContent xmlns:mc="http://schemas.openxmlformats.org/markup-compatibility/2006">
               <mc:Choice xmlns:v="urn:schemas-microsoft-com:vml" Requires="v">
-                <p:oleObj spid="_x0000_s14346" name="公式" r:id="rId5" imgW="1638000" imgH="444240" progId="Equation.3">
+                <p:oleObj name="公式" r:id="rId4" imgW="1638000" imgH="444240" progId="Equation.3">
                   <p:embed/>
                 </p:oleObj>
               </mc:Choice>
               <mc:Fallback>
-                <p:oleObj name="公式" r:id="rId5" imgW="1638000" imgH="444240" progId="Equation.3">
+                <p:oleObj name="公式" r:id="rId4" imgW="1638000" imgH="444240" progId="Equation.3">
                   <p:embed/>
                   <p:pic>
                     <p:nvPicPr>
@@ -33014,7 +33015,7 @@
                       <p:nvPr/>
                     </p:nvPicPr>
                     <p:blipFill>
-                      <a:blip r:embed="rId6">
+                      <a:blip r:embed="rId5">
                         <a:extLst>
                           <a:ext uri="{28A0092B-C50C-407E-A947-70E740481C1C}">
                             <a14:useLocalDpi xmlns:a14="http://schemas.microsoft.com/office/drawing/2010/main" val="0"/>
@@ -33091,12 +33092,12 @@
           <a:graphicData uri="http://schemas.openxmlformats.org/presentationml/2006/ole">
             <mc:AlternateContent xmlns:mc="http://schemas.openxmlformats.org/markup-compatibility/2006">
               <mc:Choice xmlns:v="urn:schemas-microsoft-com:vml" Requires="v">
-                <p:oleObj spid="_x0000_s14347" name="公式" r:id="rId7" imgW="1409400" imgH="444240" progId="Equation.3">
+                <p:oleObj name="公式" r:id="rId6" imgW="1409400" imgH="444240" progId="Equation.3">
                   <p:embed/>
                 </p:oleObj>
               </mc:Choice>
               <mc:Fallback>
-                <p:oleObj name="公式" r:id="rId7" imgW="1409400" imgH="444240" progId="Equation.3">
+                <p:oleObj name="公式" r:id="rId6" imgW="1409400" imgH="444240" progId="Equation.3">
                   <p:embed/>
                   <p:pic>
                     <p:nvPicPr>
@@ -33107,7 +33108,7 @@
                       <p:nvPr/>
                     </p:nvPicPr>
                     <p:blipFill>
-                      <a:blip r:embed="rId8">
+                      <a:blip r:embed="rId7">
                         <a:extLst>
                           <a:ext uri="{28A0092B-C50C-407E-A947-70E740481C1C}">
                             <a14:useLocalDpi xmlns:a14="http://schemas.microsoft.com/office/drawing/2010/main" val="0"/>
@@ -33184,12 +33185,12 @@
           <a:graphicData uri="http://schemas.openxmlformats.org/presentationml/2006/ole">
             <mc:AlternateContent xmlns:mc="http://schemas.openxmlformats.org/markup-compatibility/2006">
               <mc:Choice xmlns:v="urn:schemas-microsoft-com:vml" Requires="v">
-                <p:oleObj spid="_x0000_s14348" name="公式" r:id="rId9" imgW="1612800" imgH="419040" progId="Equation.3">
+                <p:oleObj name="公式" r:id="rId8" imgW="1612800" imgH="419040" progId="Equation.3">
                   <p:embed/>
                 </p:oleObj>
               </mc:Choice>
               <mc:Fallback>
-                <p:oleObj name="公式" r:id="rId9" imgW="1612800" imgH="419040" progId="Equation.3">
+                <p:oleObj name="公式" r:id="rId8" imgW="1612800" imgH="419040" progId="Equation.3">
                   <p:embed/>
                   <p:pic>
                     <p:nvPicPr>
@@ -33200,7 +33201,7 @@
                       <p:nvPr/>
                     </p:nvPicPr>
                     <p:blipFill>
-                      <a:blip r:embed="rId10">
+                      <a:blip r:embed="rId9">
                         <a:extLst>
                           <a:ext uri="{28A0092B-C50C-407E-A947-70E740481C1C}">
                             <a14:useLocalDpi xmlns:a14="http://schemas.microsoft.com/office/drawing/2010/main" val="0"/>
@@ -33277,12 +33278,12 @@
           <a:graphicData uri="http://schemas.openxmlformats.org/presentationml/2006/ole">
             <mc:AlternateContent xmlns:mc="http://schemas.openxmlformats.org/markup-compatibility/2006">
               <mc:Choice xmlns:v="urn:schemas-microsoft-com:vml" Requires="v">
-                <p:oleObj spid="_x0000_s14349" name="公式" r:id="rId11" imgW="723600" imgH="419040" progId="Equation.3">
+                <p:oleObj name="公式" r:id="rId10" imgW="723600" imgH="419040" progId="Equation.3">
                   <p:embed/>
                 </p:oleObj>
               </mc:Choice>
               <mc:Fallback>
-                <p:oleObj name="公式" r:id="rId11" imgW="723600" imgH="419040" progId="Equation.3">
+                <p:oleObj name="公式" r:id="rId10" imgW="723600" imgH="419040" progId="Equation.3">
                   <p:embed/>
                   <p:pic>
                     <p:nvPicPr>
@@ -33293,7 +33294,7 @@
                       <p:nvPr/>
                     </p:nvPicPr>
                     <p:blipFill>
-                      <a:blip r:embed="rId12">
+                      <a:blip r:embed="rId11">
                         <a:extLst>
                           <a:ext uri="{28A0092B-C50C-407E-A947-70E740481C1C}">
                             <a14:useLocalDpi xmlns:a14="http://schemas.microsoft.com/office/drawing/2010/main" val="0"/>
@@ -33370,12 +33371,12 @@
           <a:graphicData uri="http://schemas.openxmlformats.org/presentationml/2006/ole">
             <mc:AlternateContent xmlns:mc="http://schemas.openxmlformats.org/markup-compatibility/2006">
               <mc:Choice xmlns:v="urn:schemas-microsoft-com:vml" Requires="v">
-                <p:oleObj spid="_x0000_s14350" name="公式" r:id="rId13" imgW="672840" imgH="393480" progId="Equation.3">
+                <p:oleObj name="公式" r:id="rId12" imgW="672840" imgH="393480" progId="Equation.3">
                   <p:embed/>
                 </p:oleObj>
               </mc:Choice>
               <mc:Fallback>
-                <p:oleObj name="公式" r:id="rId13" imgW="672840" imgH="393480" progId="Equation.3">
+                <p:oleObj name="公式" r:id="rId12" imgW="672840" imgH="393480" progId="Equation.3">
                   <p:embed/>
                   <p:pic>
                     <p:nvPicPr>
@@ -33386,7 +33387,7 @@
                       <p:nvPr/>
                     </p:nvPicPr>
                     <p:blipFill>
-                      <a:blip r:embed="rId14">
+                      <a:blip r:embed="rId13">
                         <a:extLst>
                           <a:ext uri="{28A0092B-C50C-407E-A947-70E740481C1C}">
                             <a14:useLocalDpi xmlns:a14="http://schemas.microsoft.com/office/drawing/2010/main" val="0"/>
@@ -33463,12 +33464,12 @@
           <a:graphicData uri="http://schemas.openxmlformats.org/presentationml/2006/ole">
             <mc:AlternateContent xmlns:mc="http://schemas.openxmlformats.org/markup-compatibility/2006">
               <mc:Choice xmlns:v="urn:schemas-microsoft-com:vml" Requires="v">
-                <p:oleObj spid="_x0000_s14351" name="公式" r:id="rId15" imgW="3225600" imgH="393480" progId="Equation.3">
+                <p:oleObj name="公式" r:id="rId14" imgW="3225600" imgH="393480" progId="Equation.3">
                   <p:embed/>
                 </p:oleObj>
               </mc:Choice>
               <mc:Fallback>
-                <p:oleObj name="公式" r:id="rId15" imgW="3225600" imgH="393480" progId="Equation.3">
+                <p:oleObj name="公式" r:id="rId14" imgW="3225600" imgH="393480" progId="Equation.3">
                   <p:embed/>
                   <p:pic>
                     <p:nvPicPr>
@@ -33479,7 +33480,7 @@
                       <p:nvPr/>
                     </p:nvPicPr>
                     <p:blipFill>
-                      <a:blip r:embed="rId16">
+                      <a:blip r:embed="rId15">
                         <a:extLst>
                           <a:ext uri="{28A0092B-C50C-407E-A947-70E740481C1C}">
                             <a14:useLocalDpi xmlns:a14="http://schemas.microsoft.com/office/drawing/2010/main" val="0"/>
@@ -33872,6 +33873,503 @@
       </p:grpSpPr>
       <p:sp>
         <p:nvSpPr>
+          <p:cNvPr id="2" name="标题 1">
+            <a:extLst>
+              <a:ext uri="{FF2B5EF4-FFF2-40B4-BE49-F238E27FC236}">
+                <a16:creationId xmlns:a16="http://schemas.microsoft.com/office/drawing/2014/main" id="{6DD18270-4FC4-4C15-8489-0607D6EF6598}"/>
+              </a:ext>
+            </a:extLst>
+          </p:cNvPr>
+          <p:cNvSpPr>
+            <a:spLocks noGrp="1"/>
+          </p:cNvSpPr>
+          <p:nvPr>
+            <p:ph type="title"/>
+          </p:nvPr>
+        </p:nvSpPr>
+        <p:spPr/>
+        <p:txBody>
+          <a:bodyPr/>
+          <a:lstStyle/>
+          <a:p>
+            <a:endParaRPr lang="zh-CN" altLang="en-US" dirty="0"/>
+          </a:p>
+        </p:txBody>
+      </p:sp>
+      <p:sp>
+        <p:nvSpPr>
+          <p:cNvPr id="3" name="内容占位符 2">
+            <a:extLst>
+              <a:ext uri="{FF2B5EF4-FFF2-40B4-BE49-F238E27FC236}">
+                <a16:creationId xmlns:a16="http://schemas.microsoft.com/office/drawing/2014/main" id="{0D600D38-0A48-4A9C-9887-FC6B60195BA1}"/>
+              </a:ext>
+            </a:extLst>
+          </p:cNvPr>
+          <p:cNvSpPr>
+            <a:spLocks noGrp="1"/>
+          </p:cNvSpPr>
+          <p:nvPr>
+            <p:ph idx="1"/>
+          </p:nvPr>
+        </p:nvSpPr>
+        <p:spPr/>
+        <p:txBody>
+          <a:bodyPr/>
+          <a:lstStyle/>
+          <a:p>
+            <a:endParaRPr lang="zh-CN" altLang="en-US"/>
+          </a:p>
+        </p:txBody>
+      </p:sp>
+    </p:spTree>
+    <p:extLst>
+      <p:ext uri="{BB962C8B-B14F-4D97-AF65-F5344CB8AC3E}">
+        <p14:creationId xmlns:p14="http://schemas.microsoft.com/office/powerpoint/2010/main" val="3378423152"/>
+      </p:ext>
+    </p:extLst>
+  </p:cSld>
+  <p:clrMapOvr>
+    <a:masterClrMapping/>
+  </p:clrMapOvr>
+</p:sld>
+</file>
+
+<file path=ppt/slides/slide37.xml><?xml version="1.0" encoding="utf-8"?>
+<p:sld xmlns:a="http://schemas.openxmlformats.org/drawingml/2006/main" xmlns:r="http://schemas.openxmlformats.org/officeDocument/2006/relationships" xmlns:p="http://schemas.openxmlformats.org/presentationml/2006/main">
+  <p:cSld>
+    <p:spTree>
+      <p:nvGrpSpPr>
+        <p:cNvPr id="1" name=""/>
+        <p:cNvGrpSpPr/>
+        <p:nvPr/>
+      </p:nvGrpSpPr>
+      <p:grpSpPr>
+        <a:xfrm>
+          <a:off x="0" y="0"/>
+          <a:ext cx="0" cy="0"/>
+          <a:chOff x="0" y="0"/>
+          <a:chExt cx="0" cy="0"/>
+        </a:xfrm>
+      </p:grpSpPr>
+      <p:sp>
+        <p:nvSpPr>
+          <p:cNvPr id="2" name="文本框 1">
+            <a:extLst>
+              <a:ext uri="{FF2B5EF4-FFF2-40B4-BE49-F238E27FC236}">
+                <a16:creationId xmlns:a16="http://schemas.microsoft.com/office/drawing/2014/main" id="{4B2585C2-E6F2-4731-A740-6D9D268F41DE}"/>
+              </a:ext>
+            </a:extLst>
+          </p:cNvPr>
+          <p:cNvSpPr txBox="1"/>
+          <p:nvPr/>
+        </p:nvSpPr>
+        <p:spPr>
+          <a:xfrm>
+            <a:off x="1801780" y="2327373"/>
+            <a:ext cx="6545382" cy="369332"/>
+          </a:xfrm>
+          <a:prstGeom prst="rect">
+            <a:avLst/>
+          </a:prstGeom>
+          <a:noFill/>
+        </p:spPr>
+        <p:txBody>
+          <a:bodyPr wrap="none" rtlCol="0">
+            <a:spAutoFit/>
+          </a:bodyPr>
+          <a:lstStyle/>
+          <a:p>
+            <a:r>
+              <a:rPr lang="zh-CN" altLang="en-US" dirty="0"/>
+              <a:t>练习题</a:t>
+            </a:r>
+            <a:r>
+              <a:rPr lang="en-US" altLang="zh-CN" dirty="0"/>
+              <a:t>1</a:t>
+            </a:r>
+            <a:r>
+              <a:rPr lang="zh-CN" altLang="en-US" dirty="0"/>
+              <a:t>：请用生成函数法推导</a:t>
+            </a:r>
+            <a:r>
+              <a:rPr lang="en-US" altLang="zh-CN" dirty="0"/>
+              <a:t>1+a+a</a:t>
+            </a:r>
+            <a:r>
+              <a:rPr lang="en-US" altLang="zh-CN" baseline="30000" dirty="0"/>
+              <a:t>2</a:t>
+            </a:r>
+            <a:r>
+              <a:rPr lang="en-US" altLang="zh-CN" dirty="0"/>
+              <a:t>+a</a:t>
+            </a:r>
+            <a:r>
+              <a:rPr lang="en-US" altLang="zh-CN" baseline="30000" dirty="0"/>
+              <a:t>3</a:t>
+            </a:r>
+            <a:r>
+              <a:rPr lang="en-US" altLang="zh-CN" dirty="0"/>
+              <a:t>+..+a</a:t>
+            </a:r>
+            <a:r>
+              <a:rPr lang="en-US" altLang="zh-CN" baseline="30000" dirty="0"/>
+              <a:t>n</a:t>
+            </a:r>
+            <a:r>
+              <a:rPr lang="zh-CN" altLang="en-US" dirty="0"/>
+              <a:t>的一般式。</a:t>
+            </a:r>
+          </a:p>
+        </p:txBody>
+      </p:sp>
+      <mc:AlternateContent xmlns:mc="http://schemas.openxmlformats.org/markup-compatibility/2006">
+        <mc:Choice xmlns:a14="http://schemas.microsoft.com/office/drawing/2010/main" Requires="a14">
+          <p:sp>
+            <p:nvSpPr>
+              <p:cNvPr id="3" name="文本框 2">
+                <a:extLst>
+                  <a:ext uri="{FF2B5EF4-FFF2-40B4-BE49-F238E27FC236}">
+                    <a16:creationId xmlns:a16="http://schemas.microsoft.com/office/drawing/2014/main" id="{269E5108-A7E1-4892-9F17-396CF45B6A96}"/>
+                  </a:ext>
+                </a:extLst>
+              </p:cNvPr>
+              <p:cNvSpPr txBox="1"/>
+              <p:nvPr/>
+            </p:nvSpPr>
+            <p:spPr>
+              <a:xfrm>
+                <a:off x="1294109" y="4161296"/>
+                <a:ext cx="7560724" cy="1117998"/>
+              </a:xfrm>
+              <a:prstGeom prst="rect">
+                <a:avLst/>
+              </a:prstGeom>
+              <a:noFill/>
+            </p:spPr>
+            <p:txBody>
+              <a:bodyPr wrap="none" rtlCol="0">
+                <a:spAutoFit/>
+              </a:bodyPr>
+              <a:lstStyle/>
+              <a:p>
+                <a:r>
+                  <a:rPr lang="zh-CN" altLang="en-US" dirty="0"/>
+                  <a:t>练习题</a:t>
+                </a:r>
+                <a:r>
+                  <a:rPr lang="en-US" altLang="zh-CN" dirty="0"/>
+                  <a:t>2</a:t>
+                </a:r>
+                <a:r>
+                  <a:rPr lang="zh-CN" altLang="en-US" dirty="0"/>
+                  <a:t>：请用生成函数法推导</a:t>
+                </a:r>
+                <a14:m>
+                  <m:oMath xmlns:m="http://schemas.openxmlformats.org/officeDocument/2006/math">
+                    <m:r>
+                      <a:rPr lang="en-US" altLang="zh-CN" b="0" i="1" smtClean="0">
+                        <a:latin typeface="Cambria Math" panose="02040503050406030204" pitchFamily="18" charset="0"/>
+                      </a:rPr>
+                      <m:t>𝑓</m:t>
+                    </m:r>
+                    <m:d>
+                      <m:dPr>
+                        <m:ctrlPr>
+                          <a:rPr lang="en-US" altLang="zh-CN" b="0" i="1" smtClean="0">
+                            <a:latin typeface="Cambria Math" panose="02040503050406030204" pitchFamily="18" charset="0"/>
+                          </a:rPr>
+                        </m:ctrlPr>
+                      </m:dPr>
+                      <m:e>
+                        <m:r>
+                          <a:rPr lang="en-US" altLang="zh-CN" b="0" i="1" smtClean="0">
+                            <a:latin typeface="Cambria Math" panose="02040503050406030204" pitchFamily="18" charset="0"/>
+                          </a:rPr>
+                          <m:t>𝑛</m:t>
+                        </m:r>
+                      </m:e>
+                    </m:d>
+                    <m:r>
+                      <a:rPr lang="en-US" altLang="zh-CN" b="0" i="1" smtClean="0">
+                        <a:latin typeface="Cambria Math" panose="02040503050406030204" pitchFamily="18" charset="0"/>
+                      </a:rPr>
+                      <m:t>=</m:t>
+                    </m:r>
+                    <m:d>
+                      <m:dPr>
+                        <m:begChr m:val="{"/>
+                        <m:endChr m:val=""/>
+                        <m:ctrlPr>
+                          <a:rPr lang="en-US" altLang="zh-CN" b="0" i="1" smtClean="0">
+                            <a:latin typeface="Cambria Math" panose="02040503050406030204" pitchFamily="18" charset="0"/>
+                          </a:rPr>
+                        </m:ctrlPr>
+                      </m:dPr>
+                      <m:e>
+                        <m:m>
+                          <m:mPr>
+                            <m:mcs>
+                              <m:mc>
+                                <m:mcPr>
+                                  <m:count m:val="2"/>
+                                  <m:mcJc m:val="center"/>
+                                </m:mcPr>
+                              </m:mc>
+                            </m:mcs>
+                            <m:ctrlPr>
+                              <a:rPr lang="en-US" altLang="zh-CN" b="0" i="1" smtClean="0">
+                                <a:latin typeface="Cambria Math" panose="02040503050406030204" pitchFamily="18" charset="0"/>
+                              </a:rPr>
+                            </m:ctrlPr>
+                          </m:mPr>
+                          <m:mr>
+                            <m:e>
+                              <m:r>
+                                <m:rPr>
+                                  <m:brk m:alnAt="7"/>
+                                </m:rPr>
+                                <a:rPr lang="en-US" altLang="zh-CN" b="0" i="1" smtClean="0">
+                                  <a:latin typeface="Cambria Math" panose="02040503050406030204" pitchFamily="18" charset="0"/>
+                                </a:rPr>
+                                <m:t>0</m:t>
+                              </m:r>
+                            </m:e>
+                            <m:e>
+                              <m:r>
+                                <a:rPr lang="en-US" altLang="zh-CN" b="0" i="1" smtClean="0">
+                                  <a:latin typeface="Cambria Math" panose="02040503050406030204" pitchFamily="18" charset="0"/>
+                                </a:rPr>
+                                <m:t>𝑛</m:t>
+                              </m:r>
+                              <m:r>
+                                <a:rPr lang="en-US" altLang="zh-CN" b="0" i="1" smtClean="0">
+                                  <a:latin typeface="Cambria Math" panose="02040503050406030204" pitchFamily="18" charset="0"/>
+                                </a:rPr>
+                                <m:t>=0</m:t>
+                              </m:r>
+                            </m:e>
+                          </m:mr>
+                          <m:mr>
+                            <m:e>
+                              <m:r>
+                                <a:rPr lang="en-US" altLang="zh-CN" b="0" i="1" smtClean="0">
+                                  <a:latin typeface="Cambria Math" panose="02040503050406030204" pitchFamily="18" charset="0"/>
+                                </a:rPr>
+                                <m:t>1</m:t>
+                              </m:r>
+                            </m:e>
+                            <m:e>
+                              <m:r>
+                                <a:rPr lang="en-US" altLang="zh-CN" b="0" i="1" smtClean="0">
+                                  <a:latin typeface="Cambria Math" panose="02040503050406030204" pitchFamily="18" charset="0"/>
+                                </a:rPr>
+                                <m:t>𝑛</m:t>
+                              </m:r>
+                              <m:r>
+                                <a:rPr lang="en-US" altLang="zh-CN" b="0" i="1" smtClean="0">
+                                  <a:latin typeface="Cambria Math" panose="02040503050406030204" pitchFamily="18" charset="0"/>
+                                </a:rPr>
+                                <m:t>=1</m:t>
+                              </m:r>
+                            </m:e>
+                          </m:mr>
+                          <m:mr>
+                            <m:e>
+                              <m:f>
+                                <m:fPr>
+                                  <m:ctrlPr>
+                                    <a:rPr lang="en-US" altLang="zh-CN" b="0" i="1" smtClean="0">
+                                      <a:latin typeface="Cambria Math" panose="02040503050406030204" pitchFamily="18" charset="0"/>
+                                    </a:rPr>
+                                  </m:ctrlPr>
+                                </m:fPr>
+                                <m:num>
+                                  <m:r>
+                                    <a:rPr lang="en-US" altLang="zh-CN" b="0" i="1" smtClean="0">
+                                      <a:latin typeface="Cambria Math" panose="02040503050406030204" pitchFamily="18" charset="0"/>
+                                    </a:rPr>
+                                    <m:t>3</m:t>
+                                  </m:r>
+                                  <m:r>
+                                    <a:rPr lang="en-US" altLang="zh-CN" b="0" i="1" smtClean="0">
+                                      <a:latin typeface="Cambria Math" panose="02040503050406030204" pitchFamily="18" charset="0"/>
+                                    </a:rPr>
+                                    <m:t>𝑓</m:t>
+                                  </m:r>
+                                  <m:d>
+                                    <m:dPr>
+                                      <m:ctrlPr>
+                                        <a:rPr lang="en-US" altLang="zh-CN" b="0" i="1" smtClean="0">
+                                          <a:latin typeface="Cambria Math" panose="02040503050406030204" pitchFamily="18" charset="0"/>
+                                        </a:rPr>
+                                      </m:ctrlPr>
+                                    </m:dPr>
+                                    <m:e>
+                                      <m:r>
+                                        <a:rPr lang="en-US" altLang="zh-CN" b="0" i="1" smtClean="0">
+                                          <a:latin typeface="Cambria Math" panose="02040503050406030204" pitchFamily="18" charset="0"/>
+                                        </a:rPr>
+                                        <m:t>𝑛</m:t>
+                                      </m:r>
+                                      <m:r>
+                                        <a:rPr lang="en-US" altLang="zh-CN" b="0" i="1" smtClean="0">
+                                          <a:latin typeface="Cambria Math" panose="02040503050406030204" pitchFamily="18" charset="0"/>
+                                        </a:rPr>
+                                        <m:t>−1</m:t>
+                                      </m:r>
+                                    </m:e>
+                                  </m:d>
+                                  <m:r>
+                                    <a:rPr lang="en-US" altLang="zh-CN" b="0" i="1" smtClean="0">
+                                      <a:latin typeface="Cambria Math" panose="02040503050406030204" pitchFamily="18" charset="0"/>
+                                    </a:rPr>
+                                    <m:t>−</m:t>
+                                  </m:r>
+                                  <m:r>
+                                    <a:rPr lang="en-US" altLang="zh-CN" b="0" i="1" smtClean="0">
+                                      <a:latin typeface="Cambria Math" panose="02040503050406030204" pitchFamily="18" charset="0"/>
+                                    </a:rPr>
+                                    <m:t>𝑓</m:t>
+                                  </m:r>
+                                  <m:d>
+                                    <m:dPr>
+                                      <m:ctrlPr>
+                                        <a:rPr lang="en-US" altLang="zh-CN" b="0" i="1" smtClean="0">
+                                          <a:latin typeface="Cambria Math" panose="02040503050406030204" pitchFamily="18" charset="0"/>
+                                        </a:rPr>
+                                      </m:ctrlPr>
+                                    </m:dPr>
+                                    <m:e>
+                                      <m:r>
+                                        <a:rPr lang="en-US" altLang="zh-CN" b="0" i="1" smtClean="0">
+                                          <a:latin typeface="Cambria Math" panose="02040503050406030204" pitchFamily="18" charset="0"/>
+                                        </a:rPr>
+                                        <m:t>𝑛</m:t>
+                                      </m:r>
+                                      <m:r>
+                                        <a:rPr lang="en-US" altLang="zh-CN" b="0" i="1" smtClean="0">
+                                          <a:latin typeface="Cambria Math" panose="02040503050406030204" pitchFamily="18" charset="0"/>
+                                        </a:rPr>
+                                        <m:t>−2</m:t>
+                                      </m:r>
+                                    </m:e>
+                                  </m:d>
+                                </m:num>
+                                <m:den>
+                                  <m:r>
+                                    <a:rPr lang="en-US" altLang="zh-CN" b="0" i="1" smtClean="0">
+                                      <a:latin typeface="Cambria Math" panose="02040503050406030204" pitchFamily="18" charset="0"/>
+                                    </a:rPr>
+                                    <m:t>2</m:t>
+                                  </m:r>
+                                </m:den>
+                              </m:f>
+                            </m:e>
+                            <m:e>
+                              <m:r>
+                                <a:rPr lang="en-US" altLang="zh-CN" b="0" i="1" smtClean="0">
+                                  <a:latin typeface="Cambria Math" panose="02040503050406030204" pitchFamily="18" charset="0"/>
+                                </a:rPr>
+                                <m:t>𝑛</m:t>
+                              </m:r>
+                              <m:r>
+                                <a:rPr lang="en-US" altLang="zh-CN" b="0" i="1" smtClean="0">
+                                  <a:latin typeface="Cambria Math" panose="02040503050406030204" pitchFamily="18" charset="0"/>
+                                </a:rPr>
+                                <m:t>&gt;1</m:t>
+                              </m:r>
+                            </m:e>
+                          </m:mr>
+                        </m:m>
+                      </m:e>
+                    </m:d>
+                  </m:oMath>
+                </a14:m>
+                <a:r>
+                  <a:rPr lang="zh-CN" altLang="en-US" dirty="0"/>
+                  <a:t>的一般式。</a:t>
+                </a:r>
+              </a:p>
+            </p:txBody>
+          </p:sp>
+        </mc:Choice>
+        <mc:Fallback>
+          <p:sp>
+            <p:nvSpPr>
+              <p:cNvPr id="3" name="文本框 2">
+                <a:extLst>
+                  <a:ext uri="{FF2B5EF4-FFF2-40B4-BE49-F238E27FC236}">
+                    <a16:creationId xmlns:a16="http://schemas.microsoft.com/office/drawing/2014/main" id="{269E5108-A7E1-4892-9F17-396CF45B6A96}"/>
+                  </a:ext>
+                </a:extLst>
+              </p:cNvPr>
+              <p:cNvSpPr txBox="1">
+                <a:spLocks noRot="1" noChangeAspect="1" noMove="1" noResize="1" noEditPoints="1" noAdjustHandles="1" noChangeArrowheads="1" noChangeShapeType="1" noTextEdit="1"/>
+              </p:cNvSpPr>
+              <p:nvPr/>
+            </p:nvSpPr>
+            <p:spPr>
+              <a:xfrm>
+                <a:off x="1294109" y="4161296"/>
+                <a:ext cx="7560724" cy="1117998"/>
+              </a:xfrm>
+              <a:prstGeom prst="rect">
+                <a:avLst/>
+              </a:prstGeom>
+              <a:blipFill>
+                <a:blip r:embed="rId2"/>
+                <a:stretch>
+                  <a:fillRect l="-645"/>
+                </a:stretch>
+              </a:blipFill>
+            </p:spPr>
+            <p:txBody>
+              <a:bodyPr/>
+              <a:lstStyle/>
+              <a:p>
+                <a:r>
+                  <a:rPr lang="zh-CN" altLang="en-US">
+                    <a:noFill/>
+                  </a:rPr>
+                  <a:t> </a:t>
+                </a:r>
+              </a:p>
+            </p:txBody>
+          </p:sp>
+        </mc:Fallback>
+      </mc:AlternateContent>
+    </p:spTree>
+    <p:extLst>
+      <p:ext uri="{BB962C8B-B14F-4D97-AF65-F5344CB8AC3E}">
+        <p14:creationId xmlns:p14="http://schemas.microsoft.com/office/powerpoint/2010/main" val="3567092413"/>
+      </p:ext>
+    </p:extLst>
+  </p:cSld>
+  <p:clrMapOvr>
+    <a:masterClrMapping/>
+  </p:clrMapOvr>
+</p:sld>
+</file>
+
+<file path=ppt/slides/slide38.xml><?xml version="1.0" encoding="utf-8"?>
+<p:sld xmlns:a="http://schemas.openxmlformats.org/drawingml/2006/main" xmlns:r="http://schemas.openxmlformats.org/officeDocument/2006/relationships" xmlns:p="http://schemas.openxmlformats.org/presentationml/2006/main">
+  <p:cSld>
+    <p:spTree>
+      <p:nvGrpSpPr>
+        <p:cNvPr id="1" name=""/>
+        <p:cNvGrpSpPr/>
+        <p:nvPr/>
+      </p:nvGrpSpPr>
+      <p:grpSpPr>
+        <a:xfrm>
+          <a:off x="0" y="0"/>
+          <a:ext cx="0" cy="0"/>
+          <a:chOff x="0" y="0"/>
+          <a:chExt cx="0" cy="0"/>
+        </a:xfrm>
+      </p:grpSpPr>
+      <p:sp>
+        <p:nvSpPr>
           <p:cNvPr id="2" name="标题 1"/>
           <p:cNvSpPr>
             <a:spLocks noGrp="1"/>
@@ -33943,7 +34441,7 @@
 </p:sld>
 </file>
 
-<file path=ppt/slides/slide37.xml><?xml version="1.0" encoding="utf-8"?>
+<file path=ppt/slides/slide39.xml><?xml version="1.0" encoding="utf-8"?>
 <p:sld xmlns:a="http://schemas.openxmlformats.org/drawingml/2006/main" xmlns:r="http://schemas.openxmlformats.org/officeDocument/2006/relationships" xmlns:p="http://schemas.openxmlformats.org/presentationml/2006/main">
   <p:cSld>
     <p:spTree>
@@ -34428,7 +34926,97 @@
 </p:sld>
 </file>
 
-<file path=ppt/slides/slide38.xml><?xml version="1.0" encoding="utf-8"?>
+<file path=ppt/slides/slide4.xml><?xml version="1.0" encoding="utf-8"?>
+<p:sld xmlns:a="http://schemas.openxmlformats.org/drawingml/2006/main" xmlns:r="http://schemas.openxmlformats.org/officeDocument/2006/relationships" xmlns:p="http://schemas.openxmlformats.org/presentationml/2006/main">
+  <p:cSld>
+    <p:spTree>
+      <p:nvGrpSpPr>
+        <p:cNvPr id="1" name=""/>
+        <p:cNvGrpSpPr/>
+        <p:nvPr/>
+      </p:nvGrpSpPr>
+      <p:grpSpPr>
+        <a:xfrm>
+          <a:off x="0" y="0"/>
+          <a:ext cx="0" cy="0"/>
+          <a:chOff x="0" y="0"/>
+          <a:chExt cx="0" cy="0"/>
+        </a:xfrm>
+      </p:grpSpPr>
+      <p:sp>
+        <p:nvSpPr>
+          <p:cNvPr id="2" name="标题 1"/>
+          <p:cNvSpPr>
+            <a:spLocks noGrp="1"/>
+          </p:cNvSpPr>
+          <p:nvPr>
+            <p:ph type="title"/>
+          </p:nvPr>
+        </p:nvSpPr>
+        <p:spPr/>
+        <p:txBody>
+          <a:bodyPr/>
+          <a:lstStyle/>
+          <a:p>
+            <a:r>
+              <a:rPr lang="zh-CN" altLang="en-US" dirty="0"/>
+              <a:t>第</a:t>
+            </a:r>
+            <a:r>
+              <a:rPr lang="en-US" altLang="zh-CN" dirty="0"/>
+              <a:t>2</a:t>
+            </a:r>
+            <a:r>
+              <a:rPr lang="zh-CN" altLang="en-US" dirty="0"/>
+              <a:t>节 相关数学知识</a:t>
+            </a:r>
+          </a:p>
+        </p:txBody>
+      </p:sp>
+      <p:sp>
+        <p:nvSpPr>
+          <p:cNvPr id="3" name="文本占位符 2"/>
+          <p:cNvSpPr>
+            <a:spLocks noGrp="1"/>
+          </p:cNvSpPr>
+          <p:nvPr>
+            <p:ph type="body" idx="1"/>
+          </p:nvPr>
+        </p:nvSpPr>
+        <p:spPr/>
+        <p:txBody>
+          <a:bodyPr/>
+          <a:lstStyle/>
+          <a:p>
+            <a:r>
+              <a:rPr lang="zh-CN" altLang="en-US" dirty="0"/>
+              <a:t>第</a:t>
+            </a:r>
+            <a:r>
+              <a:rPr lang="en-US" altLang="zh-CN" dirty="0"/>
+              <a:t>2</a:t>
+            </a:r>
+            <a:r>
+              <a:rPr lang="zh-CN" altLang="en-US" dirty="0"/>
+              <a:t>章 算法复杂性</a:t>
+            </a:r>
+          </a:p>
+        </p:txBody>
+      </p:sp>
+    </p:spTree>
+    <p:extLst>
+      <p:ext uri="{BB962C8B-B14F-4D97-AF65-F5344CB8AC3E}">
+        <p14:creationId xmlns:p14="http://schemas.microsoft.com/office/powerpoint/2010/main" val="1086347619"/>
+      </p:ext>
+    </p:extLst>
+  </p:cSld>
+  <p:clrMapOvr>
+    <a:masterClrMapping/>
+  </p:clrMapOvr>
+</p:sld>
+</file>
+
+<file path=ppt/slides/slide40.xml><?xml version="1.0" encoding="utf-8"?>
 <p:sld xmlns:a="http://schemas.openxmlformats.org/drawingml/2006/main" xmlns:r="http://schemas.openxmlformats.org/officeDocument/2006/relationships" xmlns:p="http://schemas.openxmlformats.org/presentationml/2006/main">
   <p:cSld>
     <p:spTree>
@@ -35829,7 +36417,7 @@
 </p:sld>
 </file>
 
-<file path=ppt/slides/slide39.xml><?xml version="1.0" encoding="utf-8"?>
+<file path=ppt/slides/slide41.xml><?xml version="1.0" encoding="utf-8"?>
 <p:sld xmlns:a="http://schemas.openxmlformats.org/drawingml/2006/main" xmlns:r="http://schemas.openxmlformats.org/officeDocument/2006/relationships" xmlns:p="http://schemas.openxmlformats.org/presentationml/2006/main">
   <p:cSld>
     <p:spTree>
@@ -38384,97 +38972,7 @@
 </p:sld>
 </file>
 
-<file path=ppt/slides/slide4.xml><?xml version="1.0" encoding="utf-8"?>
-<p:sld xmlns:a="http://schemas.openxmlformats.org/drawingml/2006/main" xmlns:r="http://schemas.openxmlformats.org/officeDocument/2006/relationships" xmlns:p="http://schemas.openxmlformats.org/presentationml/2006/main">
-  <p:cSld>
-    <p:spTree>
-      <p:nvGrpSpPr>
-        <p:cNvPr id="1" name=""/>
-        <p:cNvGrpSpPr/>
-        <p:nvPr/>
-      </p:nvGrpSpPr>
-      <p:grpSpPr>
-        <a:xfrm>
-          <a:off x="0" y="0"/>
-          <a:ext cx="0" cy="0"/>
-          <a:chOff x="0" y="0"/>
-          <a:chExt cx="0" cy="0"/>
-        </a:xfrm>
-      </p:grpSpPr>
-      <p:sp>
-        <p:nvSpPr>
-          <p:cNvPr id="2" name="标题 1"/>
-          <p:cNvSpPr>
-            <a:spLocks noGrp="1"/>
-          </p:cNvSpPr>
-          <p:nvPr>
-            <p:ph type="title"/>
-          </p:nvPr>
-        </p:nvSpPr>
-        <p:spPr/>
-        <p:txBody>
-          <a:bodyPr/>
-          <a:lstStyle/>
-          <a:p>
-            <a:r>
-              <a:rPr lang="zh-CN" altLang="en-US" dirty="0"/>
-              <a:t>第</a:t>
-            </a:r>
-            <a:r>
-              <a:rPr lang="en-US" altLang="zh-CN" dirty="0"/>
-              <a:t>2</a:t>
-            </a:r>
-            <a:r>
-              <a:rPr lang="zh-CN" altLang="en-US" dirty="0"/>
-              <a:t>节 相关数学知识</a:t>
-            </a:r>
-          </a:p>
-        </p:txBody>
-      </p:sp>
-      <p:sp>
-        <p:nvSpPr>
-          <p:cNvPr id="3" name="文本占位符 2"/>
-          <p:cNvSpPr>
-            <a:spLocks noGrp="1"/>
-          </p:cNvSpPr>
-          <p:nvPr>
-            <p:ph type="body" idx="1"/>
-          </p:nvPr>
-        </p:nvSpPr>
-        <p:spPr/>
-        <p:txBody>
-          <a:bodyPr/>
-          <a:lstStyle/>
-          <a:p>
-            <a:r>
-              <a:rPr lang="zh-CN" altLang="en-US" dirty="0"/>
-              <a:t>第</a:t>
-            </a:r>
-            <a:r>
-              <a:rPr lang="en-US" altLang="zh-CN" dirty="0"/>
-              <a:t>2</a:t>
-            </a:r>
-            <a:r>
-              <a:rPr lang="zh-CN" altLang="en-US" dirty="0"/>
-              <a:t>章 算法复杂性</a:t>
-            </a:r>
-          </a:p>
-        </p:txBody>
-      </p:sp>
-    </p:spTree>
-    <p:extLst>
-      <p:ext uri="{BB962C8B-B14F-4D97-AF65-F5344CB8AC3E}">
-        <p14:creationId xmlns:p14="http://schemas.microsoft.com/office/powerpoint/2010/main" val="1086347619"/>
-      </p:ext>
-    </p:extLst>
-  </p:cSld>
-  <p:clrMapOvr>
-    <a:masterClrMapping/>
-  </p:clrMapOvr>
-</p:sld>
-</file>
-
-<file path=ppt/slides/slide40.xml><?xml version="1.0" encoding="utf-8"?>
+<file path=ppt/slides/slide42.xml><?xml version="1.0" encoding="utf-8"?>
 <p:sld xmlns:a="http://schemas.openxmlformats.org/drawingml/2006/main" xmlns:r="http://schemas.openxmlformats.org/officeDocument/2006/relationships" xmlns:p="http://schemas.openxmlformats.org/presentationml/2006/main">
   <p:cSld>
     <p:spTree>
@@ -39942,7 +40440,7 @@
 </p:sld>
 </file>
 
-<file path=ppt/slides/slide41.xml><?xml version="1.0" encoding="utf-8"?>
+<file path=ppt/slides/slide43.xml><?xml version="1.0" encoding="utf-8"?>
 <p:sld xmlns:a="http://schemas.openxmlformats.org/drawingml/2006/main" xmlns:r="http://schemas.openxmlformats.org/officeDocument/2006/relationships" xmlns:p="http://schemas.openxmlformats.org/presentationml/2006/main">
   <p:cSld>
     <p:spTree>
@@ -40412,7 +40910,7 @@
 </p:sld>
 </file>
 
-<file path=ppt/slides/slide42.xml><?xml version="1.0" encoding="utf-8"?>
+<file path=ppt/slides/slide44.xml><?xml version="1.0" encoding="utf-8"?>
 <p:sld xmlns:a="http://schemas.openxmlformats.org/drawingml/2006/main" xmlns:r="http://schemas.openxmlformats.org/officeDocument/2006/relationships" xmlns:p="http://schemas.openxmlformats.org/presentationml/2006/main">
   <p:cSld>
     <p:spTree>
@@ -40551,7 +41049,7 @@
 </p:sld>
 </file>
 
-<file path=ppt/slides/slide43.xml><?xml version="1.0" encoding="utf-8"?>
+<file path=ppt/slides/slide45.xml><?xml version="1.0" encoding="utf-8"?>
 <p:sld xmlns:a="http://schemas.openxmlformats.org/drawingml/2006/main" xmlns:r="http://schemas.openxmlformats.org/officeDocument/2006/relationships" xmlns:p="http://schemas.openxmlformats.org/presentationml/2006/main">
   <p:cSld>
     <p:spTree>
@@ -43530,8 +44028,8 @@
           </p:sp>
         </mc:Fallback>
       </mc:AlternateContent>
-      <mc:AlternateContent xmlns:mc="http://schemas.openxmlformats.org/markup-compatibility/2006">
-        <mc:Choice xmlns:a14="http://schemas.microsoft.com/office/drawing/2010/main" Requires="a14">
+      <mc:AlternateContent xmlns:mc="http://schemas.openxmlformats.org/markup-compatibility/2006" xmlns:a14="http://schemas.microsoft.com/office/drawing/2010/main">
+        <mc:Choice Requires="a14">
           <p:sp>
             <p:nvSpPr>
               <p:cNvPr id="3" name="文本框 2"/>
@@ -43775,7 +44273,7 @@
             </p:txBody>
           </p:sp>
         </mc:Choice>
-        <mc:Fallback>
+        <mc:Fallback xmlns="">
           <p:sp>
             <p:nvSpPr>
               <p:cNvPr id="3" name="文本框 2"/>
